--- a/defense_phd_v07.pptx
+++ b/defense_phd_v07.pptx
@@ -329,7 +329,7 @@
               <a:pPr>
                 <a:defRPr/>
               </a:pPr>
-              <a:t>4/23/2013</a:t>
+              <a:t>4/26/2013</a:t>
             </a:fld>
             <a:endParaRPr lang="en-US"/>
           </a:p>
@@ -671,29 +671,19 @@
       </p:grpSpPr>
       <p:sp>
         <p:nvSpPr>
-          <p:cNvPr id="82946" name="幻灯片图像占位符 1"/>
-          <p:cNvSpPr>
-            <a:spLocks noGrp="1" noRot="1" noChangeAspect="1" noTextEdit="1"/>
+          <p:cNvPr id="2" name="幻灯片图像占位符 1"/>
+          <p:cNvSpPr>
+            <a:spLocks noGrp="1" noRot="1" noChangeAspect="1"/>
           </p:cNvSpPr>
           <p:nvPr>
             <p:ph type="sldImg"/>
           </p:nvPr>
         </p:nvSpPr>
-        <p:spPr bwMode="auto">
-          <a:noFill/>
-          <a:ln>
-            <a:solidFill>
-              <a:srgbClr val="000000"/>
-            </a:solidFill>
-            <a:miter lim="800000"/>
-            <a:headEnd/>
-            <a:tailEnd/>
-          </a:ln>
-        </p:spPr>
-      </p:sp>
-      <p:sp>
-        <p:nvSpPr>
-          <p:cNvPr id="82947" name="备注占位符 2"/>
+        <p:spPr/>
+      </p:sp>
+      <p:sp>
+        <p:nvSpPr>
+          <p:cNvPr id="3" name="备注占位符 2"/>
           <p:cNvSpPr>
             <a:spLocks noGrp="1"/>
           </p:cNvSpPr>
@@ -701,111 +691,99 @@
             <p:ph type="body" idx="1"/>
           </p:nvPr>
         </p:nvSpPr>
-        <p:spPr bwMode="auto">
-          <a:noFill/>
-        </p:spPr>
-        <p:txBody>
-          <a:bodyPr wrap="square" numCol="1" anchor="t" anchorCtr="0" compatLnSpc="1">
-            <a:prstTxWarp prst="textNoShape">
-              <a:avLst/>
-            </a:prstTxWarp>
+        <p:spPr/>
+        <p:txBody>
+          <a:bodyPr>
+            <a:normAutofit/>
           </a:bodyPr>
           <a:lstStyle/>
           <a:p>
-            <a:pPr eaLnBrk="1" hangingPunct="1">
-              <a:spcBef>
-                <a:spcPct val="0"/>
-              </a:spcBef>
-            </a:pPr>
-            <a:r>
-              <a:rPr lang="zh-CN" altLang="en-US" smtClean="0"/>
-              <a:t>：一是，以往无线网络承载的业务基本上以话音为</a:t>
-            </a:r>
-          </a:p>
-          <a:p>
-            <a:pPr eaLnBrk="1" hangingPunct="1">
-              <a:spcBef>
-                <a:spcPct val="0"/>
-              </a:spcBef>
-            </a:pPr>
-            <a:r>
-              <a:rPr lang="zh-CN" altLang="en-US" smtClean="0"/>
-              <a:t>主。其它业务量的比重极小，几乎可以忽略不计。二是，虽然交叉层技术可以使得网</a:t>
-            </a:r>
-          </a:p>
-          <a:p>
-            <a:pPr eaLnBrk="1" hangingPunct="1">
-              <a:spcBef>
-                <a:spcPct val="0"/>
-              </a:spcBef>
-            </a:pPr>
-            <a:r>
-              <a:rPr lang="zh-CN" altLang="en-US" smtClean="0"/>
-              <a:t>络底层直接取得到上层（如应用层）的部分信息，但是这样做的结果会破坏目前无线</a:t>
-            </a:r>
-          </a:p>
-          <a:p>
-            <a:pPr eaLnBrk="1" hangingPunct="1">
-              <a:spcBef>
-                <a:spcPct val="0"/>
-              </a:spcBef>
-            </a:pPr>
-            <a:r>
-              <a:rPr lang="zh-CN" altLang="en-US" smtClean="0"/>
-              <a:t>网络分层结构的设计原则。这使得交叉层技术的应用范围大打折扣。</a:t>
-            </a:r>
-            <a:endParaRPr lang="en-US" smtClean="0"/>
-          </a:p>
-        </p:txBody>
-      </p:sp>
-      <p:sp>
-        <p:nvSpPr>
-          <p:cNvPr id="82948" name="灯片编号占位符 3"/>
-          <p:cNvSpPr>
-            <a:spLocks noGrp="1"/>
-          </p:cNvSpPr>
-          <p:nvPr>
-            <p:ph type="sldNum" sz="quarter" idx="5"/>
-          </p:nvPr>
-        </p:nvSpPr>
-        <p:spPr bwMode="auto">
-          <a:ln>
-            <a:miter lim="800000"/>
-            <a:headEnd/>
-            <a:tailEnd/>
-          </a:ln>
-        </p:spPr>
-        <p:txBody>
-          <a:bodyPr wrap="square" numCol="1" anchorCtr="0" compatLnSpc="1">
-            <a:prstTxWarp prst="textNoShape">
-              <a:avLst/>
-            </a:prstTxWarp>
-          </a:bodyPr>
-          <a:lstStyle/>
-          <a:p>
-            <a:pPr fontAlgn="base">
-              <a:spcBef>
-                <a:spcPct val="0"/>
-              </a:spcBef>
-              <a:spcAft>
-                <a:spcPct val="0"/>
-              </a:spcAft>
-              <a:defRPr/>
-            </a:pPr>
-            <a:fld id="{923D3183-6FD6-4B65-8D27-79EDE166BA56}" type="slidenum">
+            <a:r>
+              <a:rPr lang="en-US" dirty="0" err="1" smtClean="0"/>
+              <a:t>Iphone</a:t>
+            </a:r>
+            <a:r>
+              <a:rPr lang="en-US" dirty="0" smtClean="0"/>
+              <a:t> 08</a:t>
+            </a:r>
+            <a:r>
+              <a:rPr lang="zh-CN" altLang="en-US" dirty="0" smtClean="0"/>
+              <a:t>年起</a:t>
+            </a:r>
+            <a:r>
+              <a:rPr lang="zh-CN" altLang="en-US" baseline="0" dirty="0" smtClean="0"/>
+              <a:t> 近 </a:t>
+            </a:r>
+            <a:r>
+              <a:rPr lang="en-US" altLang="zh-CN" baseline="0" dirty="0" smtClean="0"/>
+              <a:t>5</a:t>
+            </a:r>
+            <a:r>
+              <a:rPr lang="zh-CN" altLang="en-US" baseline="0" dirty="0" smtClean="0"/>
+              <a:t>亿部手机， 三星 </a:t>
+            </a:r>
+            <a:r>
+              <a:rPr lang="en-US" altLang="zh-CN" baseline="0" dirty="0" smtClean="0"/>
+              <a:t>2012</a:t>
+            </a:r>
+            <a:r>
+              <a:rPr lang="zh-CN" altLang="en-US" baseline="0" dirty="0" smtClean="0"/>
+              <a:t>年，</a:t>
+            </a:r>
+            <a:r>
+              <a:rPr lang="en-US" altLang="zh-CN" baseline="0" dirty="0" smtClean="0"/>
+              <a:t>4</a:t>
+            </a:r>
+            <a:r>
+              <a:rPr lang="zh-CN" altLang="en-US" baseline="0" dirty="0" smtClean="0"/>
+              <a:t>亿部（中国市场 </a:t>
+            </a:r>
+            <a:r>
+              <a:rPr lang="en-US" altLang="zh-CN" baseline="0" dirty="0" smtClean="0"/>
+              <a:t>1</a:t>
+            </a:r>
+            <a:r>
+              <a:rPr lang="zh-CN" altLang="en-US" baseline="0" dirty="0" smtClean="0"/>
+              <a:t>亿），华为、中兴、联想，各</a:t>
+            </a:r>
+            <a:r>
+              <a:rPr lang="en-US" altLang="zh-CN" baseline="0" dirty="0" smtClean="0"/>
+              <a:t>3000</a:t>
+            </a:r>
+            <a:r>
+              <a:rPr lang="zh-CN" altLang="en-US" baseline="0" dirty="0" smtClean="0"/>
+              <a:t>千万</a:t>
+            </a:r>
+            <a:endParaRPr lang="en-US" dirty="0"/>
+          </a:p>
+        </p:txBody>
+      </p:sp>
+      <p:sp>
+        <p:nvSpPr>
+          <p:cNvPr id="4" name="灯片编号占位符 3"/>
+          <p:cNvSpPr>
+            <a:spLocks noGrp="1"/>
+          </p:cNvSpPr>
+          <p:nvPr>
+            <p:ph type="sldNum" sz="quarter" idx="10"/>
+          </p:nvPr>
+        </p:nvSpPr>
+        <p:spPr/>
+        <p:txBody>
+          <a:bodyPr/>
+          <a:lstStyle/>
+          <a:p>
+            <a:pPr>
+              <a:defRPr/>
+            </a:pPr>
+            <a:fld id="{07EDB94E-F146-40EF-9864-C3339CEB3D88}" type="slidenum">
               <a:rPr lang="en-US" smtClean="0"/>
-              <a:pPr fontAlgn="base">
-                <a:spcBef>
-                  <a:spcPct val="0"/>
-                </a:spcBef>
-                <a:spcAft>
-                  <a:spcPct val="0"/>
-                </a:spcAft>
+              <a:pPr>
                 <a:defRPr/>
               </a:pPr>
-              <a:t>7</a:t>
+              <a:t>3</a:t>
             </a:fld>
-            <a:endParaRPr lang="en-US" smtClean="0"/>
+            <a:endParaRPr lang="en-US"/>
           </a:p>
         </p:txBody>
       </p:sp>
@@ -836,29 +814,19 @@
       </p:grpSpPr>
       <p:sp>
         <p:nvSpPr>
-          <p:cNvPr id="88066" name="幻灯片图像占位符 1"/>
-          <p:cNvSpPr>
-            <a:spLocks noGrp="1" noRot="1" noChangeAspect="1" noTextEdit="1"/>
+          <p:cNvPr id="2" name="幻灯片图像占位符 1"/>
+          <p:cNvSpPr>
+            <a:spLocks noGrp="1" noRot="1" noChangeAspect="1"/>
           </p:cNvSpPr>
           <p:nvPr>
             <p:ph type="sldImg"/>
           </p:nvPr>
         </p:nvSpPr>
-        <p:spPr bwMode="auto">
-          <a:noFill/>
-          <a:ln>
-            <a:solidFill>
-              <a:srgbClr val="000000"/>
-            </a:solidFill>
-            <a:miter lim="800000"/>
-            <a:headEnd/>
-            <a:tailEnd/>
-          </a:ln>
-        </p:spPr>
-      </p:sp>
-      <p:sp>
-        <p:nvSpPr>
-          <p:cNvPr id="88067" name="备注占位符 2"/>
+        <p:spPr/>
+      </p:sp>
+      <p:sp>
+        <p:nvSpPr>
+          <p:cNvPr id="3" name="备注占位符 2"/>
           <p:cNvSpPr>
             <a:spLocks noGrp="1"/>
           </p:cNvSpPr>
@@ -866,225 +834,267 @@
             <p:ph type="body" idx="1"/>
           </p:nvPr>
         </p:nvSpPr>
-        <p:spPr bwMode="auto">
-          <a:noFill/>
-        </p:spPr>
-        <p:txBody>
-          <a:bodyPr wrap="square" numCol="1" anchor="t" anchorCtr="0" compatLnSpc="1">
-            <a:prstTxWarp prst="textNoShape">
-              <a:avLst/>
-            </a:prstTxWarp>
+        <p:spPr/>
+        <p:txBody>
+          <a:bodyPr>
+            <a:normAutofit/>
           </a:bodyPr>
           <a:lstStyle/>
           <a:p>
-            <a:pPr eaLnBrk="1" hangingPunct="1">
-              <a:spcBef>
-                <a:spcPct val="0"/>
-              </a:spcBef>
-            </a:pPr>
-            <a:r>
-              <a:rPr lang="zh-CN" altLang="en-US" dirty="0" smtClean="0"/>
-              <a:t>假设博弈参与者业务类型可以与“参与者成本”相对应。也就是说，我们使用“参与者成本”来表征参与者的业务类型特征。</a:t>
-            </a:r>
-          </a:p>
-          <a:p>
-            <a:pPr eaLnBrk="1" hangingPunct="1">
-              <a:spcBef>
-                <a:spcPct val="0"/>
-              </a:spcBef>
-            </a:pPr>
-            <a:r>
-              <a:rPr lang="zh-CN" altLang="en-US" dirty="0" smtClean="0"/>
-              <a:t>假设代表参与者成本的变量是个概率随机变量。而且表征每个参与者的成本变</a:t>
-            </a:r>
-          </a:p>
-          <a:p>
-            <a:pPr eaLnBrk="1" hangingPunct="1">
-              <a:spcBef>
-                <a:spcPct val="0"/>
-              </a:spcBef>
-            </a:pPr>
-            <a:r>
-              <a:rPr lang="zh-CN" altLang="en-US" dirty="0" smtClean="0"/>
-              <a:t>量是独立同分布的，并且其累积概率分布函数 </a:t>
-            </a:r>
-            <a:r>
-              <a:rPr lang="en-US" altLang="zh-CN" dirty="0" smtClean="0"/>
-              <a:t>P (  ) </a:t>
-            </a:r>
-            <a:r>
-              <a:rPr lang="zh-CN" altLang="en-US" dirty="0" smtClean="0"/>
-              <a:t>在区间 </a:t>
-            </a:r>
-            <a:r>
-              <a:rPr lang="en-US" altLang="zh-CN" dirty="0" smtClean="0"/>
-              <a:t>[</a:t>
-            </a:r>
-            <a:r>
-              <a:rPr lang="en-US" altLang="zh-CN" dirty="0" err="1" smtClean="0"/>
-              <a:t>Cmin</a:t>
-            </a:r>
-            <a:r>
-              <a:rPr lang="en-US" altLang="zh-CN" dirty="0" smtClean="0"/>
-              <a:t> = 0; </a:t>
-            </a:r>
-            <a:r>
-              <a:rPr lang="en-US" altLang="zh-CN" dirty="0" err="1" smtClean="0"/>
-              <a:t>Cmax</a:t>
-            </a:r>
-            <a:r>
-              <a:rPr lang="en-US" altLang="zh-CN" dirty="0" smtClean="0"/>
-              <a:t> = 1] </a:t>
-            </a:r>
-            <a:r>
-              <a:rPr lang="zh-CN" altLang="en-US" dirty="0" smtClean="0"/>
-              <a:t>是</a:t>
-            </a:r>
-          </a:p>
-          <a:p>
-            <a:pPr eaLnBrk="1" hangingPunct="1">
-              <a:spcBef>
-                <a:spcPct val="0"/>
-              </a:spcBef>
-            </a:pPr>
-            <a:r>
-              <a:rPr lang="zh-CN" altLang="en-US" dirty="0" smtClean="0"/>
-              <a:t>连续增函数，</a:t>
-            </a:r>
-          </a:p>
-          <a:p>
-            <a:pPr eaLnBrk="1" hangingPunct="1">
-              <a:spcBef>
-                <a:spcPct val="0"/>
-              </a:spcBef>
-            </a:pPr>
-            <a:r>
-              <a:rPr lang="en-US" altLang="zh-CN" dirty="0" smtClean="0"/>
-              <a:t>• </a:t>
-            </a:r>
-            <a:r>
-              <a:rPr lang="zh-CN" altLang="en-US" dirty="0" smtClean="0"/>
-              <a:t>假设每个参与者的自身成本的具体取值是私有的知识，其他的参与者并不知道。</a:t>
-            </a:r>
-          </a:p>
-          <a:p>
-            <a:pPr eaLnBrk="1" hangingPunct="1">
-              <a:spcBef>
-                <a:spcPct val="0"/>
-              </a:spcBef>
-            </a:pPr>
-            <a:r>
-              <a:rPr lang="zh-CN" altLang="en-US" dirty="0" smtClean="0"/>
-              <a:t>这里需要注意的是，参与者虽然不知道其他参与者成本随机变量的具体取值，但</a:t>
-            </a:r>
-          </a:p>
-          <a:p>
-            <a:pPr eaLnBrk="1" hangingPunct="1">
-              <a:spcBef>
-                <a:spcPct val="0"/>
-              </a:spcBef>
-            </a:pPr>
-            <a:r>
-              <a:rPr lang="zh-CN" altLang="en-US" dirty="0" smtClean="0"/>
-              <a:t>是知道这个随机变量的分布函数。之所以做这样假设的原因是，在实际中我们可</a:t>
-            </a:r>
-          </a:p>
-          <a:p>
-            <a:pPr eaLnBrk="1" hangingPunct="1">
-              <a:spcBef>
-                <a:spcPct val="0"/>
-              </a:spcBef>
-            </a:pPr>
-            <a:r>
-              <a:rPr lang="zh-CN" altLang="en-US" dirty="0" smtClean="0"/>
-              <a:t>以通过统计的方法获得参与者类型的概率分布。</a:t>
-            </a:r>
-          </a:p>
-          <a:p>
-            <a:pPr eaLnBrk="1" hangingPunct="1">
-              <a:spcBef>
-                <a:spcPct val="0"/>
-              </a:spcBef>
-            </a:pPr>
-            <a:r>
-              <a:rPr lang="en-US" altLang="zh-CN" dirty="0" smtClean="0"/>
-              <a:t>• </a:t>
-            </a:r>
-            <a:r>
-              <a:rPr lang="zh-CN" altLang="en-US" dirty="0" smtClean="0"/>
-              <a:t>假设模型中的参与者的收益函数也是公共知识。这个信息被所有博弈参与者提</a:t>
-            </a:r>
-          </a:p>
-          <a:p>
-            <a:pPr eaLnBrk="1" hangingPunct="1">
-              <a:spcBef>
-                <a:spcPct val="0"/>
-              </a:spcBef>
-            </a:pPr>
-            <a:r>
-              <a:rPr lang="zh-CN" altLang="en-US" dirty="0" smtClean="0"/>
-              <a:t>前得到。</a:t>
-            </a:r>
-            <a:endParaRPr lang="en-US" dirty="0" smtClean="0"/>
-          </a:p>
-          <a:p>
-            <a:pPr eaLnBrk="1" hangingPunct="1">
-              <a:spcBef>
-                <a:spcPct val="0"/>
-              </a:spcBef>
-            </a:pPr>
-            <a:endParaRPr lang="en-US" dirty="0" smtClean="0"/>
-          </a:p>
-        </p:txBody>
-      </p:sp>
-      <p:sp>
-        <p:nvSpPr>
-          <p:cNvPr id="86020" name="灯片编号占位符 3"/>
-          <p:cNvSpPr>
-            <a:spLocks noGrp="1"/>
-          </p:cNvSpPr>
-          <p:nvPr>
-            <p:ph type="sldNum" sz="quarter" idx="5"/>
-          </p:nvPr>
-        </p:nvSpPr>
-        <p:spPr bwMode="auto">
-          <a:ln>
-            <a:miter lim="800000"/>
-            <a:headEnd/>
-            <a:tailEnd/>
-          </a:ln>
-        </p:spPr>
-        <p:txBody>
-          <a:bodyPr wrap="square" numCol="1" anchorCtr="0" compatLnSpc="1">
-            <a:prstTxWarp prst="textNoShape">
-              <a:avLst/>
-            </a:prstTxWarp>
-          </a:bodyPr>
-          <a:lstStyle/>
-          <a:p>
-            <a:pPr fontAlgn="base">
-              <a:spcBef>
-                <a:spcPct val="0"/>
-              </a:spcBef>
-              <a:spcAft>
-                <a:spcPct val="0"/>
-              </a:spcAft>
-              <a:defRPr/>
-            </a:pPr>
-            <a:fld id="{BC77C79D-8E49-4A2F-AEA7-490CBEABF60D}" type="slidenum">
+            <a:r>
+              <a:rPr lang="zh-CN" altLang="en-US" sz="1200" b="0" i="0" u="sng" kern="1200" dirty="0" smtClean="0">
+                <a:solidFill>
+                  <a:schemeClr val="tx1"/>
+                </a:solidFill>
+                <a:latin typeface="+mn-lt"/>
+                <a:ea typeface="+mn-ea"/>
+                <a:cs typeface="+mn-cs"/>
+                <a:hlinkClick r:id="rId3"/>
+              </a:rPr>
+              <a:t>贝叶斯定理</a:t>
+            </a:r>
+            <a:r>
+              <a:rPr lang="zh-CN" altLang="en-US" sz="1200" b="0" i="0" kern="1200" dirty="0" smtClean="0">
+                <a:solidFill>
+                  <a:schemeClr val="tx1"/>
+                </a:solidFill>
+                <a:latin typeface="+mn-lt"/>
+                <a:ea typeface="+mn-ea"/>
+                <a:cs typeface="+mn-cs"/>
+              </a:rPr>
+              <a:t>由</a:t>
+            </a:r>
+            <a:r>
+              <a:rPr lang="zh-CN" altLang="en-US" sz="1200" b="0" i="0" u="sng" kern="1200" dirty="0" smtClean="0">
+                <a:solidFill>
+                  <a:schemeClr val="tx1"/>
+                </a:solidFill>
+                <a:latin typeface="+mn-lt"/>
+                <a:ea typeface="+mn-ea"/>
+                <a:cs typeface="+mn-cs"/>
+                <a:hlinkClick r:id="rId4"/>
+              </a:rPr>
+              <a:t>英国</a:t>
+            </a:r>
+            <a:r>
+              <a:rPr lang="zh-CN" altLang="en-US" sz="1200" b="0" i="0" kern="1200" dirty="0" smtClean="0">
+                <a:solidFill>
+                  <a:schemeClr val="tx1"/>
+                </a:solidFill>
+                <a:latin typeface="+mn-lt"/>
+                <a:ea typeface="+mn-ea"/>
+                <a:cs typeface="+mn-cs"/>
+              </a:rPr>
+              <a:t>数学家贝叶斯 </a:t>
+            </a:r>
+            <a:r>
+              <a:rPr lang="en-US" altLang="zh-CN" sz="1200" b="0" i="0" kern="1200" dirty="0" smtClean="0">
+                <a:solidFill>
+                  <a:schemeClr val="tx1"/>
+                </a:solidFill>
+                <a:latin typeface="+mn-lt"/>
+                <a:ea typeface="+mn-ea"/>
+                <a:cs typeface="+mn-cs"/>
+              </a:rPr>
+              <a:t>( Thomas </a:t>
+            </a:r>
+            <a:r>
+              <a:rPr lang="en-US" altLang="zh-CN" sz="1200" b="0" i="0" kern="1200" dirty="0" err="1" smtClean="0">
+                <a:solidFill>
+                  <a:schemeClr val="tx1"/>
+                </a:solidFill>
+                <a:latin typeface="+mn-lt"/>
+                <a:ea typeface="+mn-ea"/>
+                <a:cs typeface="+mn-cs"/>
+              </a:rPr>
+              <a:t>Bayes</a:t>
+            </a:r>
+            <a:r>
+              <a:rPr lang="en-US" altLang="zh-CN" sz="1200" b="0" i="0" kern="1200" dirty="0" smtClean="0">
+                <a:solidFill>
+                  <a:schemeClr val="tx1"/>
+                </a:solidFill>
+                <a:latin typeface="+mn-lt"/>
+                <a:ea typeface="+mn-ea"/>
+                <a:cs typeface="+mn-cs"/>
+              </a:rPr>
+              <a:t> 1702-1763 ) </a:t>
+            </a:r>
+            <a:r>
+              <a:rPr lang="zh-CN" altLang="en-US" sz="1200" b="0" i="0" kern="1200" dirty="0" smtClean="0">
+                <a:solidFill>
+                  <a:schemeClr val="tx1"/>
+                </a:solidFill>
+                <a:latin typeface="+mn-lt"/>
+                <a:ea typeface="+mn-ea"/>
+                <a:cs typeface="+mn-cs"/>
+              </a:rPr>
+              <a:t>发展，用来描述两个条件</a:t>
+            </a:r>
+            <a:r>
+              <a:rPr lang="zh-CN" altLang="en-US" sz="1200" b="0" i="0" u="sng" kern="1200" dirty="0" smtClean="0">
+                <a:solidFill>
+                  <a:schemeClr val="tx1"/>
+                </a:solidFill>
+                <a:latin typeface="+mn-lt"/>
+                <a:ea typeface="+mn-ea"/>
+                <a:cs typeface="+mn-cs"/>
+                <a:hlinkClick r:id="rId5"/>
+              </a:rPr>
+              <a:t>概率</a:t>
+            </a:r>
+            <a:r>
+              <a:rPr lang="zh-CN" altLang="en-US" sz="1200" b="0" i="0" kern="1200" dirty="0" smtClean="0">
+                <a:solidFill>
+                  <a:schemeClr val="tx1"/>
+                </a:solidFill>
+                <a:latin typeface="+mn-lt"/>
+                <a:ea typeface="+mn-ea"/>
+                <a:cs typeface="+mn-cs"/>
+              </a:rPr>
+              <a:t>之间的关系，比如 </a:t>
+            </a:r>
+            <a:r>
+              <a:rPr lang="en-US" altLang="zh-CN" sz="1200" b="0" i="0" kern="1200" dirty="0" smtClean="0">
+                <a:solidFill>
+                  <a:schemeClr val="tx1"/>
+                </a:solidFill>
+                <a:latin typeface="+mn-lt"/>
+                <a:ea typeface="+mn-ea"/>
+                <a:cs typeface="+mn-cs"/>
+              </a:rPr>
+              <a:t>P(A|B) </a:t>
+            </a:r>
+            <a:r>
+              <a:rPr lang="zh-CN" altLang="en-US" sz="1200" b="0" i="0" kern="1200" dirty="0" smtClean="0">
+                <a:solidFill>
+                  <a:schemeClr val="tx1"/>
+                </a:solidFill>
+                <a:latin typeface="+mn-lt"/>
+                <a:ea typeface="+mn-ea"/>
+                <a:cs typeface="+mn-cs"/>
+              </a:rPr>
+              <a:t>和 </a:t>
+            </a:r>
+            <a:r>
+              <a:rPr lang="en-US" altLang="zh-CN" sz="1200" b="0" i="0" kern="1200" dirty="0" smtClean="0">
+                <a:solidFill>
+                  <a:schemeClr val="tx1"/>
+                </a:solidFill>
+                <a:latin typeface="+mn-lt"/>
+                <a:ea typeface="+mn-ea"/>
+                <a:cs typeface="+mn-cs"/>
+              </a:rPr>
+              <a:t>P(B|A)</a:t>
+            </a:r>
+            <a:r>
+              <a:rPr lang="zh-CN" altLang="en-US" sz="1200" b="0" i="0" kern="1200" dirty="0" smtClean="0">
+                <a:solidFill>
+                  <a:schemeClr val="tx1"/>
+                </a:solidFill>
+                <a:latin typeface="+mn-lt"/>
+                <a:ea typeface="+mn-ea"/>
+                <a:cs typeface="+mn-cs"/>
+              </a:rPr>
+              <a:t>。按照乘法法则：</a:t>
+            </a:r>
+            <a:r>
+              <a:rPr lang="en-US" altLang="zh-CN" sz="1200" b="1" i="0" kern="1200" dirty="0" smtClean="0">
+                <a:solidFill>
+                  <a:schemeClr val="tx1"/>
+                </a:solidFill>
+                <a:latin typeface="+mn-lt"/>
+                <a:ea typeface="+mn-ea"/>
+                <a:cs typeface="+mn-cs"/>
+              </a:rPr>
+              <a:t>P(A∩B)=P(A)*P(B|A)=P(B)*P(A|B)</a:t>
+            </a:r>
+            <a:r>
+              <a:rPr lang="zh-CN" altLang="en-US" sz="1200" b="0" i="0" kern="1200" dirty="0" smtClean="0">
+                <a:solidFill>
+                  <a:schemeClr val="tx1"/>
+                </a:solidFill>
+                <a:latin typeface="+mn-lt"/>
+                <a:ea typeface="+mn-ea"/>
+                <a:cs typeface="+mn-cs"/>
+              </a:rPr>
+              <a:t>，可以立刻导出</a:t>
+            </a:r>
+          </a:p>
+          <a:p>
+            <a:r>
+              <a:rPr lang="zh-CN" altLang="en-US" sz="1200" b="1" i="0" kern="1200" dirty="0" smtClean="0">
+                <a:solidFill>
+                  <a:schemeClr val="tx1"/>
+                </a:solidFill>
+                <a:latin typeface="+mn-lt"/>
+                <a:ea typeface="+mn-ea"/>
+                <a:cs typeface="+mn-cs"/>
+              </a:rPr>
+              <a:t>贝叶斯定理公式</a:t>
+            </a:r>
+            <a:r>
+              <a:rPr lang="zh-CN" altLang="en-US" sz="1200" b="0" i="0" kern="1200" dirty="0" smtClean="0">
+                <a:solidFill>
+                  <a:schemeClr val="tx1"/>
+                </a:solidFill>
+                <a:latin typeface="+mn-lt"/>
+                <a:ea typeface="+mn-ea"/>
+                <a:cs typeface="+mn-cs"/>
+              </a:rPr>
+              <a:t>：</a:t>
+            </a:r>
+            <a:r>
+              <a:rPr lang="en-US" altLang="zh-CN" sz="1200" b="1" i="0" kern="1200" dirty="0" smtClean="0">
+                <a:solidFill>
+                  <a:schemeClr val="tx1"/>
+                </a:solidFill>
+                <a:latin typeface="+mn-lt"/>
+                <a:ea typeface="+mn-ea"/>
+                <a:cs typeface="+mn-cs"/>
+              </a:rPr>
+              <a:t>P(A|B)=P(B|A)*P(A)/P(B)</a:t>
+            </a:r>
+            <a:endParaRPr lang="zh-CN" altLang="en-US" sz="1200" b="0" i="0" kern="1200" smtClean="0">
+              <a:solidFill>
+                <a:schemeClr val="tx1"/>
+              </a:solidFill>
+              <a:latin typeface="+mn-lt"/>
+              <a:ea typeface="+mn-ea"/>
+              <a:cs typeface="+mn-cs"/>
+            </a:endParaRPr>
+          </a:p>
+          <a:p>
+            <a:endParaRPr lang="en-US"/>
+          </a:p>
+        </p:txBody>
+      </p:sp>
+      <p:sp>
+        <p:nvSpPr>
+          <p:cNvPr id="4" name="灯片编号占位符 3"/>
+          <p:cNvSpPr>
+            <a:spLocks noGrp="1"/>
+          </p:cNvSpPr>
+          <p:nvPr>
+            <p:ph type="sldNum" sz="quarter" idx="10"/>
+          </p:nvPr>
+        </p:nvSpPr>
+        <p:spPr/>
+        <p:txBody>
+          <a:bodyPr/>
+          <a:lstStyle/>
+          <a:p>
+            <a:pPr>
+              <a:defRPr/>
+            </a:pPr>
+            <a:fld id="{07EDB94E-F146-40EF-9864-C3339CEB3D88}" type="slidenum">
               <a:rPr lang="en-US" smtClean="0"/>
-              <a:pPr fontAlgn="base">
-                <a:spcBef>
-                  <a:spcPct val="0"/>
-                </a:spcBef>
-                <a:spcAft>
-                  <a:spcPct val="0"/>
-                </a:spcAft>
+              <a:pPr>
                 <a:defRPr/>
               </a:pPr>
-              <a:t>40</a:t>
+              <a:t>39</a:t>
             </a:fld>
-            <a:endParaRPr lang="en-US" smtClean="0"/>
+            <a:endParaRPr lang="en-US"/>
           </a:p>
         </p:txBody>
       </p:sp>
@@ -1115,7 +1125,7 @@
       </p:grpSpPr>
       <p:sp>
         <p:nvSpPr>
-          <p:cNvPr id="89090" name="幻灯片图像占位符 1"/>
+          <p:cNvPr id="88066" name="幻灯片图像占位符 1"/>
           <p:cNvSpPr>
             <a:spLocks noGrp="1" noRot="1" noChangeAspect="1" noTextEdit="1"/>
           </p:cNvSpPr>
@@ -1137,7 +1147,7 @@
       </p:sp>
       <p:sp>
         <p:nvSpPr>
-          <p:cNvPr id="89091" name="备注占位符 2"/>
+          <p:cNvPr id="88067" name="备注占位符 2"/>
           <p:cNvSpPr>
             <a:spLocks noGrp="1"/>
           </p:cNvSpPr>
@@ -1162,28 +1172,8 @@
               </a:spcBef>
             </a:pPr>
             <a:r>
-              <a:rPr lang="zh-CN" altLang="en-US" smtClean="0"/>
-              <a:t>此函数的定义域是成本区间 </a:t>
-            </a:r>
-            <a:r>
-              <a:rPr lang="en-US" altLang="zh-CN" smtClean="0"/>
-              <a:t>[</a:t>
-            </a:r>
-            <a:r>
-              <a:rPr lang="en-US" smtClean="0"/>
-              <a:t>Cmin; Cmax] ，</a:t>
-            </a:r>
-            <a:r>
-              <a:rPr lang="zh-CN" altLang="en-US" smtClean="0"/>
-              <a:t>值域是集合 </a:t>
-            </a:r>
-            <a:r>
-              <a:rPr lang="en-US" smtClean="0"/>
-              <a:t>f 0; 1 g </a:t>
-            </a:r>
-            <a:r>
-              <a:rPr lang="zh-CN" altLang="en-US" smtClean="0"/>
-              <a:t>中取任意一个值。</a:t>
+              <a:rPr lang="zh-CN" altLang="en-US" dirty="0" smtClean="0"/>
+              <a:t>假设博弈参与者业务类型可以与“参与者成本”相对应。也就是说，我们使用“参与者成本”来表征参与者的业务类型特征。</a:t>
             </a:r>
           </a:p>
           <a:p>
@@ -1193,28 +1183,8 @@
               </a:spcBef>
             </a:pPr>
             <a:r>
-              <a:rPr lang="en-US" smtClean="0"/>
-              <a:t>ci 2 [Cmin; Ci) </a:t>
-            </a:r>
-            <a:r>
-              <a:rPr lang="zh-CN" altLang="en-US" smtClean="0"/>
-              <a:t>表博弈者的成本较低。</a:t>
-            </a:r>
-            <a:r>
-              <a:rPr lang="en-US" smtClean="0"/>
-              <a:t>ci 2 [Ci; Cmax] </a:t>
-            </a:r>
-            <a:r>
-              <a:rPr lang="zh-CN" altLang="en-US" smtClean="0"/>
-              <a:t>表博弈者的成本较高。</a:t>
-            </a:r>
-            <a:r>
-              <a:rPr lang="en-US" smtClean="0"/>
-              <a:t>Ci </a:t>
-            </a:r>
-            <a:r>
-              <a:rPr lang="zh-CN" altLang="en-US" smtClean="0"/>
-              <a:t>表成本</a:t>
+              <a:rPr lang="zh-CN" altLang="en-US" dirty="0" smtClean="0"/>
+              <a:t>假设代表参与者成本的变量是个概率随机变量。而且表征每个参与者的成本变</a:t>
             </a:r>
           </a:p>
           <a:p>
@@ -1224,24 +1194,40 @@
               </a:spcBef>
             </a:pPr>
             <a:r>
-              <a:rPr lang="zh-CN" altLang="en-US" smtClean="0"/>
-              <a:t>的门限值。“ </a:t>
-            </a:r>
-            <a:r>
-              <a:rPr lang="en-US" altLang="zh-CN" smtClean="0"/>
-              <a:t>1 ”</a:t>
-            </a:r>
-            <a:r>
-              <a:rPr lang="zh-CN" altLang="en-US" smtClean="0"/>
-              <a:t>表示参与者愿意选择“慷慨”；“ </a:t>
-            </a:r>
-            <a:r>
-              <a:rPr lang="en-US" altLang="zh-CN" smtClean="0"/>
-              <a:t>0 ”</a:t>
-            </a:r>
-            <a:r>
-              <a:rPr lang="zh-CN" altLang="en-US" smtClean="0"/>
-              <a:t>表示参与者选择“自私”；</a:t>
+              <a:rPr lang="zh-CN" altLang="en-US" dirty="0" smtClean="0"/>
+              <a:t>量是独立同分布的，并且其累积概率分布函数 </a:t>
+            </a:r>
+            <a:r>
+              <a:rPr lang="en-US" altLang="zh-CN" dirty="0" smtClean="0"/>
+              <a:t>P (  ) </a:t>
+            </a:r>
+            <a:r>
+              <a:rPr lang="zh-CN" altLang="en-US" dirty="0" smtClean="0"/>
+              <a:t>在区间 </a:t>
+            </a:r>
+            <a:r>
+              <a:rPr lang="en-US" altLang="zh-CN" dirty="0" smtClean="0"/>
+              <a:t>[</a:t>
+            </a:r>
+            <a:r>
+              <a:rPr lang="en-US" altLang="zh-CN" dirty="0" err="1" smtClean="0"/>
+              <a:t>Cmin</a:t>
+            </a:r>
+            <a:r>
+              <a:rPr lang="en-US" altLang="zh-CN" dirty="0" smtClean="0"/>
+              <a:t> = 0; </a:t>
+            </a:r>
+            <a:r>
+              <a:rPr lang="en-US" altLang="zh-CN" dirty="0" err="1" smtClean="0"/>
+              <a:t>Cmax</a:t>
+            </a:r>
+            <a:r>
+              <a:rPr lang="en-US" altLang="zh-CN" dirty="0" smtClean="0"/>
+              <a:t> = 1] </a:t>
+            </a:r>
+            <a:r>
+              <a:rPr lang="zh-CN" altLang="en-US" dirty="0" smtClean="0"/>
+              <a:t>是</a:t>
             </a:r>
           </a:p>
           <a:p>
@@ -1251,20 +1237,98 @@
               </a:spcBef>
             </a:pPr>
             <a:r>
-              <a:rPr lang="en-US" smtClean="0"/>
-              <a:t>i </a:t>
-            </a:r>
-            <a:r>
-              <a:rPr lang="zh-CN" altLang="en-US" smtClean="0"/>
-              <a:t>表示参与者的索引序号。</a:t>
-            </a:r>
-            <a:endParaRPr lang="en-US" smtClean="0"/>
-          </a:p>
-        </p:txBody>
-      </p:sp>
-      <p:sp>
-        <p:nvSpPr>
-          <p:cNvPr id="87044" name="灯片编号占位符 3"/>
+              <a:rPr lang="zh-CN" altLang="en-US" dirty="0" smtClean="0"/>
+              <a:t>连续增函数，</a:t>
+            </a:r>
+          </a:p>
+          <a:p>
+            <a:pPr eaLnBrk="1" hangingPunct="1">
+              <a:spcBef>
+                <a:spcPct val="0"/>
+              </a:spcBef>
+            </a:pPr>
+            <a:r>
+              <a:rPr lang="en-US" altLang="zh-CN" dirty="0" smtClean="0"/>
+              <a:t>• </a:t>
+            </a:r>
+            <a:r>
+              <a:rPr lang="zh-CN" altLang="en-US" dirty="0" smtClean="0"/>
+              <a:t>假设每个参与者的自身成本的具体取值是私有的知识，其他的参与者并不知道。</a:t>
+            </a:r>
+          </a:p>
+          <a:p>
+            <a:pPr eaLnBrk="1" hangingPunct="1">
+              <a:spcBef>
+                <a:spcPct val="0"/>
+              </a:spcBef>
+            </a:pPr>
+            <a:r>
+              <a:rPr lang="zh-CN" altLang="en-US" dirty="0" smtClean="0"/>
+              <a:t>这里需要注意的是，参与者虽然不知道其他参与者成本随机变量的具体取值，但</a:t>
+            </a:r>
+          </a:p>
+          <a:p>
+            <a:pPr eaLnBrk="1" hangingPunct="1">
+              <a:spcBef>
+                <a:spcPct val="0"/>
+              </a:spcBef>
+            </a:pPr>
+            <a:r>
+              <a:rPr lang="zh-CN" altLang="en-US" dirty="0" smtClean="0"/>
+              <a:t>是知道这个随机变量的分布函数。之所以做这样假设的原因是，在实际中我们可</a:t>
+            </a:r>
+          </a:p>
+          <a:p>
+            <a:pPr eaLnBrk="1" hangingPunct="1">
+              <a:spcBef>
+                <a:spcPct val="0"/>
+              </a:spcBef>
+            </a:pPr>
+            <a:r>
+              <a:rPr lang="zh-CN" altLang="en-US" dirty="0" smtClean="0"/>
+              <a:t>以通过统计的方法获得参与者类型的概率分布。</a:t>
+            </a:r>
+          </a:p>
+          <a:p>
+            <a:pPr eaLnBrk="1" hangingPunct="1">
+              <a:spcBef>
+                <a:spcPct val="0"/>
+              </a:spcBef>
+            </a:pPr>
+            <a:r>
+              <a:rPr lang="en-US" altLang="zh-CN" dirty="0" smtClean="0"/>
+              <a:t>• </a:t>
+            </a:r>
+            <a:r>
+              <a:rPr lang="zh-CN" altLang="en-US" dirty="0" smtClean="0"/>
+              <a:t>假设模型中的参与者的收益函数也是公共知识。这个信息被所有博弈参与者提</a:t>
+            </a:r>
+          </a:p>
+          <a:p>
+            <a:pPr eaLnBrk="1" hangingPunct="1">
+              <a:spcBef>
+                <a:spcPct val="0"/>
+              </a:spcBef>
+            </a:pPr>
+            <a:r>
+              <a:rPr lang="zh-CN" altLang="en-US" dirty="0" smtClean="0"/>
+              <a:t>前得到。</a:t>
+            </a:r>
+            <a:endParaRPr lang="en-US" dirty="0" smtClean="0"/>
+          </a:p>
+          <a:p>
+            <a:pPr eaLnBrk="1" hangingPunct="1">
+              <a:spcBef>
+                <a:spcPct val="0"/>
+              </a:spcBef>
+            </a:pPr>
+            <a:endParaRPr lang="en-US" dirty="0" smtClean="0"/>
+          </a:p>
+        </p:txBody>
+      </p:sp>
+      <p:sp>
+        <p:nvSpPr>
+          <p:cNvPr id="86020" name="灯片编号占位符 3"/>
           <p:cNvSpPr>
             <a:spLocks noGrp="1"/>
           </p:cNvSpPr>
@@ -1296,7 +1360,7 @@
               </a:spcAft>
               <a:defRPr/>
             </a:pPr>
-            <a:fld id="{1DA07578-226F-4CCC-BFFC-A4AC30E0F860}" type="slidenum">
+            <a:fld id="{BC77C79D-8E49-4A2F-AEA7-490CBEABF60D}" type="slidenum">
               <a:rPr lang="en-US" smtClean="0"/>
               <a:pPr fontAlgn="base">
                 <a:spcBef>
@@ -1307,7 +1371,7 @@
                 </a:spcAft>
                 <a:defRPr/>
               </a:pPr>
-              <a:t>42</a:t>
+              <a:t>40</a:t>
             </a:fld>
             <a:endParaRPr lang="en-US" smtClean="0"/>
           </a:p>
@@ -1340,6 +1404,231 @@
       </p:grpSpPr>
       <p:sp>
         <p:nvSpPr>
+          <p:cNvPr id="89090" name="幻灯片图像占位符 1"/>
+          <p:cNvSpPr>
+            <a:spLocks noGrp="1" noRot="1" noChangeAspect="1" noTextEdit="1"/>
+          </p:cNvSpPr>
+          <p:nvPr>
+            <p:ph type="sldImg"/>
+          </p:nvPr>
+        </p:nvSpPr>
+        <p:spPr bwMode="auto">
+          <a:noFill/>
+          <a:ln>
+            <a:solidFill>
+              <a:srgbClr val="000000"/>
+            </a:solidFill>
+            <a:miter lim="800000"/>
+            <a:headEnd/>
+            <a:tailEnd/>
+          </a:ln>
+        </p:spPr>
+      </p:sp>
+      <p:sp>
+        <p:nvSpPr>
+          <p:cNvPr id="89091" name="备注占位符 2"/>
+          <p:cNvSpPr>
+            <a:spLocks noGrp="1"/>
+          </p:cNvSpPr>
+          <p:nvPr>
+            <p:ph type="body" idx="1"/>
+          </p:nvPr>
+        </p:nvSpPr>
+        <p:spPr bwMode="auto">
+          <a:noFill/>
+        </p:spPr>
+        <p:txBody>
+          <a:bodyPr wrap="square" numCol="1" anchor="t" anchorCtr="0" compatLnSpc="1">
+            <a:prstTxWarp prst="textNoShape">
+              <a:avLst/>
+            </a:prstTxWarp>
+          </a:bodyPr>
+          <a:lstStyle/>
+          <a:p>
+            <a:pPr eaLnBrk="1" hangingPunct="1">
+              <a:spcBef>
+                <a:spcPct val="0"/>
+              </a:spcBef>
+            </a:pPr>
+            <a:r>
+              <a:rPr lang="zh-CN" altLang="en-US" smtClean="0"/>
+              <a:t>此函数的定义域是成本区间 </a:t>
+            </a:r>
+            <a:r>
+              <a:rPr lang="en-US" altLang="zh-CN" smtClean="0"/>
+              <a:t>[</a:t>
+            </a:r>
+            <a:r>
+              <a:rPr lang="en-US" smtClean="0"/>
+              <a:t>Cmin; Cmax] ，</a:t>
+            </a:r>
+            <a:r>
+              <a:rPr lang="zh-CN" altLang="en-US" smtClean="0"/>
+              <a:t>值域是集合 </a:t>
+            </a:r>
+            <a:r>
+              <a:rPr lang="en-US" smtClean="0"/>
+              <a:t>f 0; 1 g </a:t>
+            </a:r>
+            <a:r>
+              <a:rPr lang="zh-CN" altLang="en-US" smtClean="0"/>
+              <a:t>中取任意一个值。</a:t>
+            </a:r>
+          </a:p>
+          <a:p>
+            <a:pPr eaLnBrk="1" hangingPunct="1">
+              <a:spcBef>
+                <a:spcPct val="0"/>
+              </a:spcBef>
+            </a:pPr>
+            <a:r>
+              <a:rPr lang="en-US" smtClean="0"/>
+              <a:t>ci 2 [Cmin; Ci) </a:t>
+            </a:r>
+            <a:r>
+              <a:rPr lang="zh-CN" altLang="en-US" smtClean="0"/>
+              <a:t>表博弈者的成本较低。</a:t>
+            </a:r>
+            <a:r>
+              <a:rPr lang="en-US" smtClean="0"/>
+              <a:t>ci 2 [Ci; Cmax] </a:t>
+            </a:r>
+            <a:r>
+              <a:rPr lang="zh-CN" altLang="en-US" smtClean="0"/>
+              <a:t>表博弈者的成本较高。</a:t>
+            </a:r>
+            <a:r>
+              <a:rPr lang="en-US" smtClean="0"/>
+              <a:t>Ci </a:t>
+            </a:r>
+            <a:r>
+              <a:rPr lang="zh-CN" altLang="en-US" smtClean="0"/>
+              <a:t>表成本</a:t>
+            </a:r>
+          </a:p>
+          <a:p>
+            <a:pPr eaLnBrk="1" hangingPunct="1">
+              <a:spcBef>
+                <a:spcPct val="0"/>
+              </a:spcBef>
+            </a:pPr>
+            <a:r>
+              <a:rPr lang="zh-CN" altLang="en-US" smtClean="0"/>
+              <a:t>的门限值。“ </a:t>
+            </a:r>
+            <a:r>
+              <a:rPr lang="en-US" altLang="zh-CN" smtClean="0"/>
+              <a:t>1 ”</a:t>
+            </a:r>
+            <a:r>
+              <a:rPr lang="zh-CN" altLang="en-US" smtClean="0"/>
+              <a:t>表示参与者愿意选择“慷慨”；“ </a:t>
+            </a:r>
+            <a:r>
+              <a:rPr lang="en-US" altLang="zh-CN" smtClean="0"/>
+              <a:t>0 ”</a:t>
+            </a:r>
+            <a:r>
+              <a:rPr lang="zh-CN" altLang="en-US" smtClean="0"/>
+              <a:t>表示参与者选择“自私”；</a:t>
+            </a:r>
+          </a:p>
+          <a:p>
+            <a:pPr eaLnBrk="1" hangingPunct="1">
+              <a:spcBef>
+                <a:spcPct val="0"/>
+              </a:spcBef>
+            </a:pPr>
+            <a:r>
+              <a:rPr lang="en-US" smtClean="0"/>
+              <a:t>i </a:t>
+            </a:r>
+            <a:r>
+              <a:rPr lang="zh-CN" altLang="en-US" smtClean="0"/>
+              <a:t>表示参与者的索引序号。</a:t>
+            </a:r>
+            <a:endParaRPr lang="en-US" smtClean="0"/>
+          </a:p>
+        </p:txBody>
+      </p:sp>
+      <p:sp>
+        <p:nvSpPr>
+          <p:cNvPr id="87044" name="灯片编号占位符 3"/>
+          <p:cNvSpPr>
+            <a:spLocks noGrp="1"/>
+          </p:cNvSpPr>
+          <p:nvPr>
+            <p:ph type="sldNum" sz="quarter" idx="5"/>
+          </p:nvPr>
+        </p:nvSpPr>
+        <p:spPr bwMode="auto">
+          <a:ln>
+            <a:miter lim="800000"/>
+            <a:headEnd/>
+            <a:tailEnd/>
+          </a:ln>
+        </p:spPr>
+        <p:txBody>
+          <a:bodyPr wrap="square" numCol="1" anchorCtr="0" compatLnSpc="1">
+            <a:prstTxWarp prst="textNoShape">
+              <a:avLst/>
+            </a:prstTxWarp>
+          </a:bodyPr>
+          <a:lstStyle/>
+          <a:p>
+            <a:pPr fontAlgn="base">
+              <a:spcBef>
+                <a:spcPct val="0"/>
+              </a:spcBef>
+              <a:spcAft>
+                <a:spcPct val="0"/>
+              </a:spcAft>
+              <a:defRPr/>
+            </a:pPr>
+            <a:fld id="{1DA07578-226F-4CCC-BFFC-A4AC30E0F860}" type="slidenum">
+              <a:rPr lang="en-US" smtClean="0"/>
+              <a:pPr fontAlgn="base">
+                <a:spcBef>
+                  <a:spcPct val="0"/>
+                </a:spcBef>
+                <a:spcAft>
+                  <a:spcPct val="0"/>
+                </a:spcAft>
+                <a:defRPr/>
+              </a:pPr>
+              <a:t>42</a:t>
+            </a:fld>
+            <a:endParaRPr lang="en-US" smtClean="0"/>
+          </a:p>
+        </p:txBody>
+      </p:sp>
+    </p:spTree>
+  </p:cSld>
+  <p:clrMapOvr>
+    <a:masterClrMapping/>
+  </p:clrMapOvr>
+</p:notes>
+</file>
+
+<file path=ppt/notesSlides/notesSlide13.xml><?xml version="1.0" encoding="utf-8"?>
+<p:notes xmlns:a="http://schemas.openxmlformats.org/drawingml/2006/main" xmlns:r="http://schemas.openxmlformats.org/officeDocument/2006/relationships" xmlns:p="http://schemas.openxmlformats.org/presentationml/2006/main">
+  <p:cSld>
+    <p:spTree>
+      <p:nvGrpSpPr>
+        <p:cNvPr id="1" name=""/>
+        <p:cNvGrpSpPr/>
+        <p:nvPr/>
+      </p:nvGrpSpPr>
+      <p:grpSpPr>
+        <a:xfrm>
+          <a:off x="0" y="0"/>
+          <a:ext cx="0" cy="0"/>
+          <a:chOff x="0" y="0"/>
+          <a:chExt cx="0" cy="0"/>
+        </a:xfrm>
+      </p:grpSpPr>
+      <p:sp>
+        <p:nvSpPr>
           <p:cNvPr id="2" name="幻灯片图像占位符 1"/>
           <p:cNvSpPr>
             <a:spLocks noGrp="1" noRot="1" noChangeAspect="1"/>
@@ -1427,7 +1716,7 @@
       </p:grpSpPr>
       <p:sp>
         <p:nvSpPr>
-          <p:cNvPr id="83970" name="幻灯片图像占位符 1"/>
+          <p:cNvPr id="82946" name="幻灯片图像占位符 1"/>
           <p:cNvSpPr>
             <a:spLocks noGrp="1" noRot="1" noChangeAspect="1" noTextEdit="1"/>
           </p:cNvSpPr>
@@ -1449,7 +1738,7 @@
       </p:sp>
       <p:sp>
         <p:nvSpPr>
-          <p:cNvPr id="83971" name="备注占位符 2"/>
+          <p:cNvPr id="82947" name="备注占位符 2"/>
           <p:cNvSpPr>
             <a:spLocks noGrp="1"/>
           </p:cNvSpPr>
@@ -1468,478 +1757,55 @@
           </a:bodyPr>
           <a:lstStyle/>
           <a:p>
-            <a:pPr eaLnBrk="1" hangingPunct="1"/>
-            <a:r>
-              <a:rPr lang="en-US" dirty="0" smtClean="0"/>
-              <a:t>(sum of squared error (SSE) and adjusted R-square) </a:t>
-            </a:r>
-            <a:r>
-              <a:rPr lang="zh-CN" altLang="en-US" dirty="0" smtClean="0"/>
-              <a:t>误差平方和 </a:t>
-            </a:r>
-            <a:r>
-              <a:rPr lang="en-US" altLang="zh-CN" dirty="0" smtClean="0"/>
-              <a:t>\sum</a:t>
-            </a:r>
-            <a:r>
-              <a:rPr lang="zh-CN" altLang="en-US" dirty="0" smtClean="0"/>
-              <a:t>（每一个值减去均值）</a:t>
-            </a:r>
-            <a:r>
-              <a:rPr lang="en-US" altLang="zh-CN" dirty="0" smtClean="0"/>
-              <a:t>^2</a:t>
-            </a:r>
-          </a:p>
-          <a:p>
-            <a:pPr eaLnBrk="1" hangingPunct="1"/>
-            <a:endParaRPr lang="en-US" dirty="0" smtClean="0"/>
-          </a:p>
-          <a:p>
-            <a:pPr eaLnBrk="1" hangingPunct="1"/>
-            <a:r>
-              <a:rPr lang="zh-CN" altLang="en-US" dirty="0" smtClean="0"/>
-              <a:t>简单地说就是，用</a:t>
-            </a:r>
-            <a:r>
-              <a:rPr lang="en-US" altLang="zh-CN" dirty="0" smtClean="0"/>
-              <a:t>r square</a:t>
-            </a:r>
-            <a:r>
-              <a:rPr lang="zh-CN" altLang="en-US" dirty="0" smtClean="0"/>
-              <a:t>的时候，不断添加变量能让模型的效果提升，而这种提升是虚假的。</a:t>
-            </a:r>
-            <a:br>
-              <a:rPr lang="zh-CN" altLang="en-US" dirty="0" smtClean="0"/>
-            </a:br>
-            <a:r>
-              <a:rPr lang="zh-CN" altLang="en-US" dirty="0" smtClean="0"/>
-              <a:t>利用</a:t>
-            </a:r>
-            <a:r>
-              <a:rPr lang="en-US" altLang="zh-CN" dirty="0" smtClean="0"/>
-              <a:t>adjusted r square</a:t>
-            </a:r>
-            <a:r>
-              <a:rPr lang="zh-CN" altLang="en-US" dirty="0" smtClean="0"/>
-              <a:t>，能对添加的非显著变量给出惩罚，也就是说随意添加一个变量不一定能让模型拟合度上升。</a:t>
-            </a:r>
-            <a:endParaRPr lang="en-US" altLang="zh-CN" dirty="0" smtClean="0"/>
-          </a:p>
-          <a:p>
-            <a:pPr eaLnBrk="1" hangingPunct="1"/>
-            <a:endParaRPr lang="en-US" dirty="0" smtClean="0"/>
-          </a:p>
-          <a:p>
-            <a:pPr eaLnBrk="1" hangingPunct="1"/>
-            <a:r>
-              <a:rPr lang="zh-CN" altLang="en-US" sz="1200" b="0" i="0" kern="1200" dirty="0" smtClean="0">
-                <a:solidFill>
-                  <a:schemeClr val="tx1"/>
-                </a:solidFill>
-                <a:latin typeface="+mn-lt"/>
-                <a:ea typeface="+mn-ea"/>
-                <a:cs typeface="+mn-cs"/>
-              </a:rPr>
-              <a:t>决定系数</a:t>
-            </a:r>
-            <a:r>
-              <a:rPr lang="zh-CN" altLang="en-US" dirty="0" smtClean="0"/>
-              <a:t/>
-            </a:r>
-            <a:br>
-              <a:rPr lang="zh-CN" altLang="en-US" dirty="0" smtClean="0"/>
-            </a:br>
-            <a:r>
-              <a:rPr lang="zh-CN" altLang="en-US" sz="1200" b="0" i="0" kern="1200" dirty="0" smtClean="0">
-                <a:solidFill>
-                  <a:schemeClr val="tx1"/>
-                </a:solidFill>
-                <a:latin typeface="+mn-lt"/>
-                <a:ea typeface="+mn-ea"/>
-                <a:cs typeface="+mn-cs"/>
-              </a:rPr>
-              <a:t>模型的决定系数</a:t>
-            </a:r>
-            <a:r>
-              <a:rPr lang="en-US" altLang="zh-CN" sz="1200" b="0" i="0" kern="1200" dirty="0" smtClean="0">
-                <a:solidFill>
-                  <a:schemeClr val="tx1"/>
-                </a:solidFill>
-                <a:latin typeface="+mn-lt"/>
-                <a:ea typeface="+mn-ea"/>
-                <a:cs typeface="+mn-cs"/>
-              </a:rPr>
-              <a:t>(Determinate Coefficient) </a:t>
-            </a:r>
-            <a:r>
-              <a:rPr lang="zh-CN" altLang="en-US" sz="1200" b="0" i="0" kern="1200" dirty="0" smtClean="0">
-                <a:solidFill>
-                  <a:schemeClr val="tx1"/>
-                </a:solidFill>
-                <a:latin typeface="+mn-lt"/>
-                <a:ea typeface="+mn-ea"/>
-                <a:cs typeface="+mn-cs"/>
-              </a:rPr>
-              <a:t>等于复相关系数的平方。与简单线性回归中的决定系数相类似，它表示反应变量</a:t>
-            </a:r>
-            <a:r>
-              <a:rPr lang="en-US" altLang="zh-CN" sz="1200" b="0" i="0" kern="1200" dirty="0" smtClean="0">
-                <a:solidFill>
-                  <a:schemeClr val="tx1"/>
-                </a:solidFill>
-                <a:latin typeface="+mn-lt"/>
-                <a:ea typeface="+mn-ea"/>
-                <a:cs typeface="+mn-cs"/>
-              </a:rPr>
-              <a:t>y </a:t>
-            </a:r>
-            <a:r>
-              <a:rPr lang="zh-CN" altLang="en-US" sz="1200" b="0" i="0" kern="1200" dirty="0" smtClean="0">
-                <a:solidFill>
-                  <a:schemeClr val="tx1"/>
-                </a:solidFill>
-                <a:latin typeface="+mn-lt"/>
-                <a:ea typeface="+mn-ea"/>
-                <a:cs typeface="+mn-cs"/>
-              </a:rPr>
-              <a:t>的总变异中可由回归模型中自变量解释的部分所占的比例，是衡量所建立模型效果好坏的指标之一。显然， </a:t>
-            </a:r>
-            <a:r>
-              <a:rPr lang="en-US" altLang="zh-CN" sz="1200" b="0" i="0" kern="1200" dirty="0" smtClean="0">
-                <a:solidFill>
-                  <a:schemeClr val="tx1"/>
-                </a:solidFill>
-                <a:latin typeface="+mn-lt"/>
-                <a:ea typeface="+mn-ea"/>
-                <a:cs typeface="+mn-cs"/>
-              </a:rPr>
-              <a:t>R2 </a:t>
-            </a:r>
-            <a:r>
-              <a:rPr lang="zh-CN" altLang="en-US" sz="1200" b="0" i="0" kern="1200" dirty="0" smtClean="0">
-                <a:solidFill>
-                  <a:schemeClr val="tx1"/>
-                </a:solidFill>
-                <a:latin typeface="+mn-lt"/>
-                <a:ea typeface="+mn-ea"/>
-                <a:cs typeface="+mn-cs"/>
-              </a:rPr>
-              <a:t>越大越好，但是也存在与复相关系数一样的不足，即使向模型中增加的变量没有统计学意义，  值仍会增大。</a:t>
-            </a:r>
-            <a:r>
-              <a:rPr lang="zh-CN" altLang="en-US" dirty="0" smtClean="0"/>
-              <a:t/>
-            </a:r>
-            <a:br>
-              <a:rPr lang="zh-CN" altLang="en-US" dirty="0" smtClean="0"/>
-            </a:br>
-            <a:r>
-              <a:rPr lang="zh-CN" altLang="en-US" sz="1200" b="0" i="0" kern="1200" dirty="0" smtClean="0">
-                <a:solidFill>
-                  <a:schemeClr val="tx1"/>
-                </a:solidFill>
-                <a:latin typeface="+mn-lt"/>
-                <a:ea typeface="+mn-ea"/>
-                <a:cs typeface="+mn-cs"/>
-              </a:rPr>
-              <a:t>校正的决定系数</a:t>
-            </a:r>
-            <a:r>
-              <a:rPr lang="zh-CN" altLang="en-US" dirty="0" smtClean="0"/>
-              <a:t/>
-            </a:r>
-            <a:br>
-              <a:rPr lang="zh-CN" altLang="en-US" dirty="0" smtClean="0"/>
-            </a:br>
-            <a:r>
-              <a:rPr lang="zh-CN" altLang="en-US" sz="1200" b="0" i="0" kern="1200" dirty="0" smtClean="0">
-                <a:solidFill>
-                  <a:schemeClr val="tx1"/>
-                </a:solidFill>
-                <a:latin typeface="+mn-lt"/>
-                <a:ea typeface="+mn-ea"/>
-                <a:cs typeface="+mn-cs"/>
-              </a:rPr>
-              <a:t>由于用</a:t>
-            </a:r>
-            <a:r>
-              <a:rPr lang="en-US" altLang="zh-CN" sz="1200" b="0" i="0" kern="1200" dirty="0" smtClean="0">
-                <a:solidFill>
-                  <a:schemeClr val="tx1"/>
-                </a:solidFill>
-                <a:latin typeface="+mn-lt"/>
-                <a:ea typeface="+mn-ea"/>
-                <a:cs typeface="+mn-cs"/>
-              </a:rPr>
-              <a:t>R2 </a:t>
-            </a:r>
-            <a:r>
-              <a:rPr lang="zh-CN" altLang="en-US" sz="1200" b="0" i="0" kern="1200" dirty="0" smtClean="0">
-                <a:solidFill>
-                  <a:schemeClr val="tx1"/>
-                </a:solidFill>
-                <a:latin typeface="+mn-lt"/>
-                <a:ea typeface="+mn-ea"/>
-                <a:cs typeface="+mn-cs"/>
-              </a:rPr>
-              <a:t>评价拟合模型的好坏具有一定的局限性，即使向模型中增加的变量没有统计学意义，</a:t>
-            </a:r>
-            <a:r>
-              <a:rPr lang="en-US" altLang="zh-CN" sz="1200" b="0" i="0" kern="1200" dirty="0" smtClean="0">
-                <a:solidFill>
-                  <a:schemeClr val="tx1"/>
-                </a:solidFill>
-                <a:latin typeface="+mn-lt"/>
-                <a:ea typeface="+mn-ea"/>
-                <a:cs typeface="+mn-cs"/>
-              </a:rPr>
-              <a:t>R2 </a:t>
-            </a:r>
-            <a:r>
-              <a:rPr lang="zh-CN" altLang="en-US" sz="1200" b="0" i="0" kern="1200" dirty="0" smtClean="0">
-                <a:solidFill>
-                  <a:schemeClr val="tx1"/>
-                </a:solidFill>
-                <a:latin typeface="+mn-lt"/>
-                <a:ea typeface="+mn-ea"/>
-                <a:cs typeface="+mn-cs"/>
-              </a:rPr>
-              <a:t>值仍会增大。因此需对其进行校正，从而形成了校正的决定系数</a:t>
-            </a:r>
-            <a:r>
-              <a:rPr lang="en-US" altLang="zh-CN" sz="1200" b="0" i="0" kern="1200" dirty="0" smtClean="0">
-                <a:solidFill>
-                  <a:schemeClr val="tx1"/>
-                </a:solidFill>
-                <a:latin typeface="+mn-lt"/>
-                <a:ea typeface="+mn-ea"/>
-                <a:cs typeface="+mn-cs"/>
-              </a:rPr>
-              <a:t>(Adjusted R Square) </a:t>
-            </a:r>
-            <a:r>
-              <a:rPr lang="zh-CN" altLang="en-US" sz="1200" b="0" i="0" kern="1200" dirty="0" smtClean="0">
-                <a:solidFill>
-                  <a:schemeClr val="tx1"/>
-                </a:solidFill>
-                <a:latin typeface="+mn-lt"/>
-                <a:ea typeface="+mn-ea"/>
-                <a:cs typeface="+mn-cs"/>
-              </a:rPr>
-              <a:t>。与</a:t>
-            </a:r>
-            <a:r>
-              <a:rPr lang="en-US" altLang="zh-CN" sz="1200" b="0" i="0" kern="1200" dirty="0" smtClean="0">
-                <a:solidFill>
-                  <a:schemeClr val="tx1"/>
-                </a:solidFill>
-                <a:latin typeface="+mn-lt"/>
-                <a:ea typeface="+mn-ea"/>
-                <a:cs typeface="+mn-cs"/>
-              </a:rPr>
-              <a:t>R2 </a:t>
-            </a:r>
-            <a:r>
-              <a:rPr lang="zh-CN" altLang="en-US" sz="1200" b="0" i="0" kern="1200" dirty="0" smtClean="0">
-                <a:solidFill>
-                  <a:schemeClr val="tx1"/>
-                </a:solidFill>
-                <a:latin typeface="+mn-lt"/>
-                <a:ea typeface="+mn-ea"/>
-                <a:cs typeface="+mn-cs"/>
-              </a:rPr>
-              <a:t>不同的是，当模型中增加的变量没有统计学意义时，校正决定系数会减小，因此校正</a:t>
-            </a:r>
-            <a:r>
-              <a:rPr lang="en-US" altLang="zh-CN" sz="1200" b="0" i="0" kern="1200" dirty="0" smtClean="0">
-                <a:solidFill>
-                  <a:schemeClr val="tx1"/>
-                </a:solidFill>
-                <a:latin typeface="+mn-lt"/>
-                <a:ea typeface="+mn-ea"/>
-                <a:cs typeface="+mn-cs"/>
-              </a:rPr>
-              <a:t>R2 </a:t>
-            </a:r>
-            <a:r>
-              <a:rPr lang="zh-CN" altLang="en-US" sz="1200" b="0" i="0" kern="1200" dirty="0" smtClean="0">
-                <a:solidFill>
-                  <a:schemeClr val="tx1"/>
-                </a:solidFill>
-                <a:latin typeface="+mn-lt"/>
-                <a:ea typeface="+mn-ea"/>
-                <a:cs typeface="+mn-cs"/>
-              </a:rPr>
-              <a:t>是衡量所建模型好坏的重要指标之一，校正</a:t>
-            </a:r>
-            <a:r>
-              <a:rPr lang="en-US" altLang="zh-CN" sz="1200" b="0" i="0" kern="1200" dirty="0" smtClean="0">
-                <a:solidFill>
-                  <a:schemeClr val="tx1"/>
-                </a:solidFill>
-                <a:latin typeface="+mn-lt"/>
-                <a:ea typeface="+mn-ea"/>
-                <a:cs typeface="+mn-cs"/>
-              </a:rPr>
-              <a:t>R2 </a:t>
-            </a:r>
-            <a:r>
-              <a:rPr lang="zh-CN" altLang="en-US" sz="1200" b="0" i="0" kern="1200" dirty="0" smtClean="0">
-                <a:solidFill>
-                  <a:schemeClr val="tx1"/>
-                </a:solidFill>
-                <a:latin typeface="+mn-lt"/>
-                <a:ea typeface="+mn-ea"/>
-                <a:cs typeface="+mn-cs"/>
-              </a:rPr>
-              <a:t>越大，模型拟合得越好。但当</a:t>
-            </a:r>
-            <a:r>
-              <a:rPr lang="en-US" altLang="zh-CN" sz="1200" b="0" i="0" kern="1200" dirty="0" err="1" smtClean="0">
-                <a:solidFill>
-                  <a:schemeClr val="tx1"/>
-                </a:solidFill>
-                <a:latin typeface="+mn-lt"/>
-                <a:ea typeface="+mn-ea"/>
-                <a:cs typeface="+mn-cs"/>
-              </a:rPr>
-              <a:t>p/n</a:t>
-            </a:r>
-            <a:r>
-              <a:rPr lang="en-US" altLang="zh-CN" sz="1200" b="0" i="0" kern="1200" dirty="0" smtClean="0">
-                <a:solidFill>
-                  <a:schemeClr val="tx1"/>
-                </a:solidFill>
-                <a:latin typeface="+mn-lt"/>
-                <a:ea typeface="+mn-ea"/>
-                <a:cs typeface="+mn-cs"/>
-              </a:rPr>
-              <a:t> </a:t>
-            </a:r>
-            <a:r>
-              <a:rPr lang="zh-CN" altLang="en-US" sz="1200" b="0" i="0" kern="1200" dirty="0" smtClean="0">
-                <a:solidFill>
-                  <a:schemeClr val="tx1"/>
-                </a:solidFill>
-                <a:latin typeface="+mn-lt"/>
-                <a:ea typeface="+mn-ea"/>
-                <a:cs typeface="+mn-cs"/>
-              </a:rPr>
-              <a:t>很小时，如小于</a:t>
-            </a:r>
-            <a:r>
-              <a:rPr lang="en-US" altLang="zh-CN" sz="1200" b="0" i="0" kern="1200" dirty="0" smtClean="0">
-                <a:solidFill>
-                  <a:schemeClr val="tx1"/>
-                </a:solidFill>
-                <a:latin typeface="+mn-lt"/>
-                <a:ea typeface="+mn-ea"/>
-                <a:cs typeface="+mn-cs"/>
-              </a:rPr>
-              <a:t>0.05 </a:t>
-            </a:r>
-            <a:r>
-              <a:rPr lang="zh-CN" altLang="en-US" sz="1200" b="0" i="0" kern="1200" dirty="0" smtClean="0">
-                <a:solidFill>
-                  <a:schemeClr val="tx1"/>
-                </a:solidFill>
-                <a:latin typeface="+mn-lt"/>
-                <a:ea typeface="+mn-ea"/>
-                <a:cs typeface="+mn-cs"/>
-              </a:rPr>
-              <a:t>时，校正作用趋于消失。</a:t>
-            </a:r>
-            <a:r>
-              <a:rPr lang="zh-CN" altLang="en-US" dirty="0" smtClean="0"/>
-              <a:t/>
-            </a:r>
-            <a:br>
-              <a:rPr lang="zh-CN" altLang="en-US" dirty="0" smtClean="0"/>
-            </a:br>
-            <a:r>
-              <a:rPr lang="zh-CN" altLang="en-US" sz="1200" b="0" i="0" kern="1200" dirty="0" smtClean="0">
-                <a:solidFill>
-                  <a:schemeClr val="tx1"/>
-                </a:solidFill>
-                <a:latin typeface="+mn-lt"/>
-                <a:ea typeface="+mn-ea"/>
-                <a:cs typeface="+mn-cs"/>
-              </a:rPr>
-              <a:t>实际应用中，它们的大小还与研究中实际观测到的自变量取值范围有关，一种可能的情况是，某个实际观测的自变量取值范围很窄，但此时所建模型的</a:t>
-            </a:r>
-            <a:r>
-              <a:rPr lang="en-US" altLang="zh-CN" sz="1200" b="0" i="0" kern="1200" dirty="0" smtClean="0">
-                <a:solidFill>
-                  <a:schemeClr val="tx1"/>
-                </a:solidFill>
-                <a:latin typeface="+mn-lt"/>
-                <a:ea typeface="+mn-ea"/>
-                <a:cs typeface="+mn-cs"/>
-              </a:rPr>
-              <a:t>R2 </a:t>
-            </a:r>
-            <a:r>
-              <a:rPr lang="zh-CN" altLang="en-US" sz="1200" b="0" i="0" kern="1200" dirty="0" smtClean="0">
-                <a:solidFill>
-                  <a:schemeClr val="tx1"/>
-                </a:solidFill>
-                <a:latin typeface="+mn-lt"/>
-                <a:ea typeface="+mn-ea"/>
-                <a:cs typeface="+mn-cs"/>
-              </a:rPr>
-              <a:t>很大，但这并不代表模型在外推应用时的效果肯定会很好。此外，有时虽然校正决定系数</a:t>
-            </a:r>
-            <a:r>
-              <a:rPr lang="en-US" altLang="zh-CN" sz="1200" b="0" i="0" kern="1200" dirty="0" smtClean="0">
-                <a:solidFill>
-                  <a:schemeClr val="tx1"/>
-                </a:solidFill>
-                <a:latin typeface="+mn-lt"/>
-                <a:ea typeface="+mn-ea"/>
-                <a:cs typeface="+mn-cs"/>
-              </a:rPr>
-              <a:t>(</a:t>
-            </a:r>
-            <a:r>
-              <a:rPr lang="zh-CN" altLang="en-US" sz="1200" b="0" i="0" kern="1200" dirty="0" smtClean="0">
-                <a:solidFill>
-                  <a:schemeClr val="tx1"/>
-                </a:solidFill>
-                <a:latin typeface="+mn-lt"/>
-                <a:ea typeface="+mn-ea"/>
-                <a:cs typeface="+mn-cs"/>
-              </a:rPr>
-              <a:t>或决定系数</a:t>
-            </a:r>
-            <a:r>
-              <a:rPr lang="en-US" altLang="zh-CN" sz="1200" b="0" i="0" kern="1200" dirty="0" smtClean="0">
-                <a:solidFill>
-                  <a:schemeClr val="tx1"/>
-                </a:solidFill>
-                <a:latin typeface="+mn-lt"/>
-                <a:ea typeface="+mn-ea"/>
-                <a:cs typeface="+mn-cs"/>
-              </a:rPr>
-              <a:t>)</a:t>
-            </a:r>
-            <a:r>
-              <a:rPr lang="zh-CN" altLang="en-US" sz="1200" b="0" i="0" kern="1200" dirty="0" smtClean="0">
-                <a:solidFill>
-                  <a:schemeClr val="tx1"/>
-                </a:solidFill>
-                <a:latin typeface="+mn-lt"/>
-                <a:ea typeface="+mn-ea"/>
-                <a:cs typeface="+mn-cs"/>
-              </a:rPr>
-              <a:t>很大，但误差均方仍很大，这会导致估计的可信区间很宽，从而失去实际应用价值。</a:t>
-            </a:r>
-            <a:endParaRPr lang="en-US" dirty="0" smtClean="0"/>
-          </a:p>
-        </p:txBody>
-      </p:sp>
-      <p:sp>
-        <p:nvSpPr>
-          <p:cNvPr id="4" name="灯片编号占位符 3"/>
+            <a:pPr eaLnBrk="1" hangingPunct="1">
+              <a:spcBef>
+                <a:spcPct val="0"/>
+              </a:spcBef>
+            </a:pPr>
+            <a:r>
+              <a:rPr lang="zh-CN" altLang="en-US" smtClean="0"/>
+              <a:t>：一是，以往无线网络承载的业务基本上以话音为</a:t>
+            </a:r>
+          </a:p>
+          <a:p>
+            <a:pPr eaLnBrk="1" hangingPunct="1">
+              <a:spcBef>
+                <a:spcPct val="0"/>
+              </a:spcBef>
+            </a:pPr>
+            <a:r>
+              <a:rPr lang="zh-CN" altLang="en-US" smtClean="0"/>
+              <a:t>主。其它业务量的比重极小，几乎可以忽略不计。二是，虽然交叉层技术可以使得网</a:t>
+            </a:r>
+          </a:p>
+          <a:p>
+            <a:pPr eaLnBrk="1" hangingPunct="1">
+              <a:spcBef>
+                <a:spcPct val="0"/>
+              </a:spcBef>
+            </a:pPr>
+            <a:r>
+              <a:rPr lang="zh-CN" altLang="en-US" smtClean="0"/>
+              <a:t>络底层直接取得到上层（如应用层）的部分信息，但是这样做的结果会破坏目前无线</a:t>
+            </a:r>
+          </a:p>
+          <a:p>
+            <a:pPr eaLnBrk="1" hangingPunct="1">
+              <a:spcBef>
+                <a:spcPct val="0"/>
+              </a:spcBef>
+            </a:pPr>
+            <a:r>
+              <a:rPr lang="zh-CN" altLang="en-US" smtClean="0"/>
+              <a:t>网络分层结构的设计原则。这使得交叉层技术的应用范围大打折扣。</a:t>
+            </a:r>
+            <a:endParaRPr lang="en-US" smtClean="0"/>
+          </a:p>
+        </p:txBody>
+      </p:sp>
+      <p:sp>
+        <p:nvSpPr>
+          <p:cNvPr id="82948" name="灯片编号占位符 3"/>
           <p:cNvSpPr>
             <a:spLocks noGrp="1"/>
           </p:cNvSpPr>
@@ -1947,22 +1813,44 @@
             <p:ph type="sldNum" sz="quarter" idx="5"/>
           </p:nvPr>
         </p:nvSpPr>
-        <p:spPr/>
-        <p:txBody>
-          <a:bodyPr/>
-          <a:lstStyle/>
-          <a:p>
-            <a:pPr>
-              <a:defRPr/>
-            </a:pPr>
-            <a:fld id="{84E4ACE0-3C70-4A9A-8DC5-93358D051984}" type="slidenum">
+        <p:spPr bwMode="auto">
+          <a:ln>
+            <a:miter lim="800000"/>
+            <a:headEnd/>
+            <a:tailEnd/>
+          </a:ln>
+        </p:spPr>
+        <p:txBody>
+          <a:bodyPr wrap="square" numCol="1" anchorCtr="0" compatLnSpc="1">
+            <a:prstTxWarp prst="textNoShape">
+              <a:avLst/>
+            </a:prstTxWarp>
+          </a:bodyPr>
+          <a:lstStyle/>
+          <a:p>
+            <a:pPr fontAlgn="base">
+              <a:spcBef>
+                <a:spcPct val="0"/>
+              </a:spcBef>
+              <a:spcAft>
+                <a:spcPct val="0"/>
+              </a:spcAft>
+              <a:defRPr/>
+            </a:pPr>
+            <a:fld id="{923D3183-6FD6-4B65-8D27-79EDE166BA56}" type="slidenum">
               <a:rPr lang="en-US" smtClean="0"/>
-              <a:pPr>
+              <a:pPr fontAlgn="base">
+                <a:spcBef>
+                  <a:spcPct val="0"/>
+                </a:spcBef>
+                <a:spcAft>
+                  <a:spcPct val="0"/>
+                </a:spcAft>
                 <a:defRPr/>
               </a:pPr>
-              <a:t>11</a:t>
+              <a:t>7</a:t>
             </a:fld>
-            <a:endParaRPr lang="en-US"/>
+            <a:endParaRPr lang="en-US" smtClean="0"/>
           </a:p>
         </p:txBody>
       </p:sp>
@@ -1993,7 +1881,7 @@
       </p:grpSpPr>
       <p:sp>
         <p:nvSpPr>
-          <p:cNvPr id="84994" name="幻灯片图像占位符 1"/>
+          <p:cNvPr id="83970" name="幻灯片图像占位符 1"/>
           <p:cNvSpPr>
             <a:spLocks noGrp="1" noRot="1" noChangeAspect="1" noTextEdit="1"/>
           </p:cNvSpPr>
@@ -2015,7 +1903,7 @@
       </p:sp>
       <p:sp>
         <p:nvSpPr>
-          <p:cNvPr id="84995" name="备注占位符 2"/>
+          <p:cNvPr id="83971" name="备注占位符 2"/>
           <p:cNvSpPr>
             <a:spLocks noGrp="1"/>
           </p:cNvSpPr>
@@ -2036,10 +1924,470 @@
           <a:p>
             <a:pPr eaLnBrk="1" hangingPunct="1"/>
             <a:r>
-              <a:rPr lang="zh-CN" altLang="en-US" smtClean="0"/>
-              <a:t>两个设定，一是有最小带宽要求，二是在线用户的优先级比新用户的优先级高。</a:t>
-            </a:r>
-            <a:endParaRPr lang="en-US" smtClean="0"/>
+              <a:rPr lang="en-US" dirty="0" smtClean="0"/>
+              <a:t>(sum of squared error (SSE) and adjusted R-square) </a:t>
+            </a:r>
+            <a:r>
+              <a:rPr lang="zh-CN" altLang="en-US" dirty="0" smtClean="0"/>
+              <a:t>误差平方和 </a:t>
+            </a:r>
+            <a:r>
+              <a:rPr lang="en-US" altLang="zh-CN" dirty="0" smtClean="0"/>
+              <a:t>\sum</a:t>
+            </a:r>
+            <a:r>
+              <a:rPr lang="zh-CN" altLang="en-US" dirty="0" smtClean="0"/>
+              <a:t>（每一个值减去均值）</a:t>
+            </a:r>
+            <a:r>
+              <a:rPr lang="en-US" altLang="zh-CN" dirty="0" smtClean="0"/>
+              <a:t>^2</a:t>
+            </a:r>
+          </a:p>
+          <a:p>
+            <a:pPr eaLnBrk="1" hangingPunct="1"/>
+            <a:endParaRPr lang="en-US" dirty="0" smtClean="0"/>
+          </a:p>
+          <a:p>
+            <a:pPr eaLnBrk="1" hangingPunct="1"/>
+            <a:r>
+              <a:rPr lang="zh-CN" altLang="en-US" dirty="0" smtClean="0"/>
+              <a:t>简单地说就是，用</a:t>
+            </a:r>
+            <a:r>
+              <a:rPr lang="en-US" altLang="zh-CN" dirty="0" smtClean="0"/>
+              <a:t>r square</a:t>
+            </a:r>
+            <a:r>
+              <a:rPr lang="zh-CN" altLang="en-US" dirty="0" smtClean="0"/>
+              <a:t>的时候，不断添加变量能让模型的效果提升，而这种提升是虚假的。</a:t>
+            </a:r>
+            <a:br>
+              <a:rPr lang="zh-CN" altLang="en-US" dirty="0" smtClean="0"/>
+            </a:br>
+            <a:r>
+              <a:rPr lang="zh-CN" altLang="en-US" dirty="0" smtClean="0"/>
+              <a:t>利用</a:t>
+            </a:r>
+            <a:r>
+              <a:rPr lang="en-US" altLang="zh-CN" dirty="0" smtClean="0"/>
+              <a:t>adjusted r square</a:t>
+            </a:r>
+            <a:r>
+              <a:rPr lang="zh-CN" altLang="en-US" dirty="0" smtClean="0"/>
+              <a:t>，能对添加的非显著变量给出惩罚，也就是说随意添加一个变量不一定能让模型拟合度上升。</a:t>
+            </a:r>
+            <a:endParaRPr lang="en-US" altLang="zh-CN" dirty="0" smtClean="0"/>
+          </a:p>
+          <a:p>
+            <a:pPr eaLnBrk="1" hangingPunct="1"/>
+            <a:endParaRPr lang="en-US" dirty="0" smtClean="0"/>
+          </a:p>
+          <a:p>
+            <a:pPr eaLnBrk="1" hangingPunct="1"/>
+            <a:r>
+              <a:rPr lang="zh-CN" altLang="en-US" sz="1200" b="0" i="0" kern="1200" dirty="0" smtClean="0">
+                <a:solidFill>
+                  <a:schemeClr val="tx1"/>
+                </a:solidFill>
+                <a:latin typeface="+mn-lt"/>
+                <a:ea typeface="+mn-ea"/>
+                <a:cs typeface="+mn-cs"/>
+              </a:rPr>
+              <a:t>决定系数</a:t>
+            </a:r>
+            <a:r>
+              <a:rPr lang="zh-CN" altLang="en-US" dirty="0" smtClean="0"/>
+              <a:t/>
+            </a:r>
+            <a:br>
+              <a:rPr lang="zh-CN" altLang="en-US" dirty="0" smtClean="0"/>
+            </a:br>
+            <a:r>
+              <a:rPr lang="zh-CN" altLang="en-US" sz="1200" b="0" i="0" kern="1200" dirty="0" smtClean="0">
+                <a:solidFill>
+                  <a:schemeClr val="tx1"/>
+                </a:solidFill>
+                <a:latin typeface="+mn-lt"/>
+                <a:ea typeface="+mn-ea"/>
+                <a:cs typeface="+mn-cs"/>
+              </a:rPr>
+              <a:t>模型的决定系数</a:t>
+            </a:r>
+            <a:r>
+              <a:rPr lang="en-US" altLang="zh-CN" sz="1200" b="0" i="0" kern="1200" dirty="0" smtClean="0">
+                <a:solidFill>
+                  <a:schemeClr val="tx1"/>
+                </a:solidFill>
+                <a:latin typeface="+mn-lt"/>
+                <a:ea typeface="+mn-ea"/>
+                <a:cs typeface="+mn-cs"/>
+              </a:rPr>
+              <a:t>(Determinate Coefficient) </a:t>
+            </a:r>
+            <a:r>
+              <a:rPr lang="zh-CN" altLang="en-US" sz="1200" b="0" i="0" kern="1200" dirty="0" smtClean="0">
+                <a:solidFill>
+                  <a:schemeClr val="tx1"/>
+                </a:solidFill>
+                <a:latin typeface="+mn-lt"/>
+                <a:ea typeface="+mn-ea"/>
+                <a:cs typeface="+mn-cs"/>
+              </a:rPr>
+              <a:t>等于复相关系数的平方。与简单线性回归中的决定系数相类似，它表示反应变量</a:t>
+            </a:r>
+            <a:r>
+              <a:rPr lang="en-US" altLang="zh-CN" sz="1200" b="0" i="0" kern="1200" dirty="0" smtClean="0">
+                <a:solidFill>
+                  <a:schemeClr val="tx1"/>
+                </a:solidFill>
+                <a:latin typeface="+mn-lt"/>
+                <a:ea typeface="+mn-ea"/>
+                <a:cs typeface="+mn-cs"/>
+              </a:rPr>
+              <a:t>y </a:t>
+            </a:r>
+            <a:r>
+              <a:rPr lang="zh-CN" altLang="en-US" sz="1200" b="0" i="0" kern="1200" dirty="0" smtClean="0">
+                <a:solidFill>
+                  <a:schemeClr val="tx1"/>
+                </a:solidFill>
+                <a:latin typeface="+mn-lt"/>
+                <a:ea typeface="+mn-ea"/>
+                <a:cs typeface="+mn-cs"/>
+              </a:rPr>
+              <a:t>的总变异中可由回归模型中自变量解释的部分所占的比例，是衡量所建立模型效果好坏的指标之一。显然， </a:t>
+            </a:r>
+            <a:r>
+              <a:rPr lang="en-US" altLang="zh-CN" sz="1200" b="0" i="0" kern="1200" dirty="0" smtClean="0">
+                <a:solidFill>
+                  <a:schemeClr val="tx1"/>
+                </a:solidFill>
+                <a:latin typeface="+mn-lt"/>
+                <a:ea typeface="+mn-ea"/>
+                <a:cs typeface="+mn-cs"/>
+              </a:rPr>
+              <a:t>R2 </a:t>
+            </a:r>
+            <a:r>
+              <a:rPr lang="zh-CN" altLang="en-US" sz="1200" b="0" i="0" kern="1200" dirty="0" smtClean="0">
+                <a:solidFill>
+                  <a:schemeClr val="tx1"/>
+                </a:solidFill>
+                <a:latin typeface="+mn-lt"/>
+                <a:ea typeface="+mn-ea"/>
+                <a:cs typeface="+mn-cs"/>
+              </a:rPr>
+              <a:t>越大越好，但是也存在与复相关系数一样的不足，即使向模型中增加的变量没有统计学意义，  值仍会增大。</a:t>
+            </a:r>
+            <a:r>
+              <a:rPr lang="zh-CN" altLang="en-US" dirty="0" smtClean="0"/>
+              <a:t/>
+            </a:r>
+            <a:br>
+              <a:rPr lang="zh-CN" altLang="en-US" dirty="0" smtClean="0"/>
+            </a:br>
+            <a:r>
+              <a:rPr lang="zh-CN" altLang="en-US" sz="1200" b="0" i="0" kern="1200" dirty="0" smtClean="0">
+                <a:solidFill>
+                  <a:schemeClr val="tx1"/>
+                </a:solidFill>
+                <a:latin typeface="+mn-lt"/>
+                <a:ea typeface="+mn-ea"/>
+                <a:cs typeface="+mn-cs"/>
+              </a:rPr>
+              <a:t>校正的决定系数</a:t>
+            </a:r>
+            <a:r>
+              <a:rPr lang="zh-CN" altLang="en-US" dirty="0" smtClean="0"/>
+              <a:t/>
+            </a:r>
+            <a:br>
+              <a:rPr lang="zh-CN" altLang="en-US" dirty="0" smtClean="0"/>
+            </a:br>
+            <a:r>
+              <a:rPr lang="zh-CN" altLang="en-US" sz="1200" b="0" i="0" kern="1200" dirty="0" smtClean="0">
+                <a:solidFill>
+                  <a:schemeClr val="tx1"/>
+                </a:solidFill>
+                <a:latin typeface="+mn-lt"/>
+                <a:ea typeface="+mn-ea"/>
+                <a:cs typeface="+mn-cs"/>
+              </a:rPr>
+              <a:t>由于用</a:t>
+            </a:r>
+            <a:r>
+              <a:rPr lang="en-US" altLang="zh-CN" sz="1200" b="0" i="0" kern="1200" dirty="0" smtClean="0">
+                <a:solidFill>
+                  <a:schemeClr val="tx1"/>
+                </a:solidFill>
+                <a:latin typeface="+mn-lt"/>
+                <a:ea typeface="+mn-ea"/>
+                <a:cs typeface="+mn-cs"/>
+              </a:rPr>
+              <a:t>R2 </a:t>
+            </a:r>
+            <a:r>
+              <a:rPr lang="zh-CN" altLang="en-US" sz="1200" b="0" i="0" kern="1200" dirty="0" smtClean="0">
+                <a:solidFill>
+                  <a:schemeClr val="tx1"/>
+                </a:solidFill>
+                <a:latin typeface="+mn-lt"/>
+                <a:ea typeface="+mn-ea"/>
+                <a:cs typeface="+mn-cs"/>
+              </a:rPr>
+              <a:t>评价拟合模型的好坏具有一定的局限性，即使向模型中增加的变量没有统计学意义，</a:t>
+            </a:r>
+            <a:r>
+              <a:rPr lang="en-US" altLang="zh-CN" sz="1200" b="0" i="0" kern="1200" dirty="0" smtClean="0">
+                <a:solidFill>
+                  <a:schemeClr val="tx1"/>
+                </a:solidFill>
+                <a:latin typeface="+mn-lt"/>
+                <a:ea typeface="+mn-ea"/>
+                <a:cs typeface="+mn-cs"/>
+              </a:rPr>
+              <a:t>R2 </a:t>
+            </a:r>
+            <a:r>
+              <a:rPr lang="zh-CN" altLang="en-US" sz="1200" b="0" i="0" kern="1200" dirty="0" smtClean="0">
+                <a:solidFill>
+                  <a:schemeClr val="tx1"/>
+                </a:solidFill>
+                <a:latin typeface="+mn-lt"/>
+                <a:ea typeface="+mn-ea"/>
+                <a:cs typeface="+mn-cs"/>
+              </a:rPr>
+              <a:t>值仍会增大。因此需对其进行校正，从而形成了校正的决定系数</a:t>
+            </a:r>
+            <a:r>
+              <a:rPr lang="en-US" altLang="zh-CN" sz="1200" b="0" i="0" kern="1200" dirty="0" smtClean="0">
+                <a:solidFill>
+                  <a:schemeClr val="tx1"/>
+                </a:solidFill>
+                <a:latin typeface="+mn-lt"/>
+                <a:ea typeface="+mn-ea"/>
+                <a:cs typeface="+mn-cs"/>
+              </a:rPr>
+              <a:t>(Adjusted R Square) </a:t>
+            </a:r>
+            <a:r>
+              <a:rPr lang="zh-CN" altLang="en-US" sz="1200" b="0" i="0" kern="1200" dirty="0" smtClean="0">
+                <a:solidFill>
+                  <a:schemeClr val="tx1"/>
+                </a:solidFill>
+                <a:latin typeface="+mn-lt"/>
+                <a:ea typeface="+mn-ea"/>
+                <a:cs typeface="+mn-cs"/>
+              </a:rPr>
+              <a:t>。与</a:t>
+            </a:r>
+            <a:r>
+              <a:rPr lang="en-US" altLang="zh-CN" sz="1200" b="0" i="0" kern="1200" dirty="0" smtClean="0">
+                <a:solidFill>
+                  <a:schemeClr val="tx1"/>
+                </a:solidFill>
+                <a:latin typeface="+mn-lt"/>
+                <a:ea typeface="+mn-ea"/>
+                <a:cs typeface="+mn-cs"/>
+              </a:rPr>
+              <a:t>R2 </a:t>
+            </a:r>
+            <a:r>
+              <a:rPr lang="zh-CN" altLang="en-US" sz="1200" b="0" i="0" kern="1200" dirty="0" smtClean="0">
+                <a:solidFill>
+                  <a:schemeClr val="tx1"/>
+                </a:solidFill>
+                <a:latin typeface="+mn-lt"/>
+                <a:ea typeface="+mn-ea"/>
+                <a:cs typeface="+mn-cs"/>
+              </a:rPr>
+              <a:t>不同的是，当模型中增加的变量没有统计学意义时，校正决定系数会减小，因此校正</a:t>
+            </a:r>
+            <a:r>
+              <a:rPr lang="en-US" altLang="zh-CN" sz="1200" b="0" i="0" kern="1200" dirty="0" smtClean="0">
+                <a:solidFill>
+                  <a:schemeClr val="tx1"/>
+                </a:solidFill>
+                <a:latin typeface="+mn-lt"/>
+                <a:ea typeface="+mn-ea"/>
+                <a:cs typeface="+mn-cs"/>
+              </a:rPr>
+              <a:t>R2 </a:t>
+            </a:r>
+            <a:r>
+              <a:rPr lang="zh-CN" altLang="en-US" sz="1200" b="0" i="0" kern="1200" dirty="0" smtClean="0">
+                <a:solidFill>
+                  <a:schemeClr val="tx1"/>
+                </a:solidFill>
+                <a:latin typeface="+mn-lt"/>
+                <a:ea typeface="+mn-ea"/>
+                <a:cs typeface="+mn-cs"/>
+              </a:rPr>
+              <a:t>是衡量所建模型好坏的重要指标之一，校正</a:t>
+            </a:r>
+            <a:r>
+              <a:rPr lang="en-US" altLang="zh-CN" sz="1200" b="0" i="0" kern="1200" dirty="0" smtClean="0">
+                <a:solidFill>
+                  <a:schemeClr val="tx1"/>
+                </a:solidFill>
+                <a:latin typeface="+mn-lt"/>
+                <a:ea typeface="+mn-ea"/>
+                <a:cs typeface="+mn-cs"/>
+              </a:rPr>
+              <a:t>R2 </a:t>
+            </a:r>
+            <a:r>
+              <a:rPr lang="zh-CN" altLang="en-US" sz="1200" b="0" i="0" kern="1200" dirty="0" smtClean="0">
+                <a:solidFill>
+                  <a:schemeClr val="tx1"/>
+                </a:solidFill>
+                <a:latin typeface="+mn-lt"/>
+                <a:ea typeface="+mn-ea"/>
+                <a:cs typeface="+mn-cs"/>
+              </a:rPr>
+              <a:t>越大，模型拟合得越好。但当</a:t>
+            </a:r>
+            <a:r>
+              <a:rPr lang="en-US" altLang="zh-CN" sz="1200" b="0" i="0" kern="1200" dirty="0" err="1" smtClean="0">
+                <a:solidFill>
+                  <a:schemeClr val="tx1"/>
+                </a:solidFill>
+                <a:latin typeface="+mn-lt"/>
+                <a:ea typeface="+mn-ea"/>
+                <a:cs typeface="+mn-cs"/>
+              </a:rPr>
+              <a:t>p/n</a:t>
+            </a:r>
+            <a:r>
+              <a:rPr lang="en-US" altLang="zh-CN" sz="1200" b="0" i="0" kern="1200" dirty="0" smtClean="0">
+                <a:solidFill>
+                  <a:schemeClr val="tx1"/>
+                </a:solidFill>
+                <a:latin typeface="+mn-lt"/>
+                <a:ea typeface="+mn-ea"/>
+                <a:cs typeface="+mn-cs"/>
+              </a:rPr>
+              <a:t> </a:t>
+            </a:r>
+            <a:r>
+              <a:rPr lang="zh-CN" altLang="en-US" sz="1200" b="0" i="0" kern="1200" dirty="0" smtClean="0">
+                <a:solidFill>
+                  <a:schemeClr val="tx1"/>
+                </a:solidFill>
+                <a:latin typeface="+mn-lt"/>
+                <a:ea typeface="+mn-ea"/>
+                <a:cs typeface="+mn-cs"/>
+              </a:rPr>
+              <a:t>很小时，如小于</a:t>
+            </a:r>
+            <a:r>
+              <a:rPr lang="en-US" altLang="zh-CN" sz="1200" b="0" i="0" kern="1200" dirty="0" smtClean="0">
+                <a:solidFill>
+                  <a:schemeClr val="tx1"/>
+                </a:solidFill>
+                <a:latin typeface="+mn-lt"/>
+                <a:ea typeface="+mn-ea"/>
+                <a:cs typeface="+mn-cs"/>
+              </a:rPr>
+              <a:t>0.05 </a:t>
+            </a:r>
+            <a:r>
+              <a:rPr lang="zh-CN" altLang="en-US" sz="1200" b="0" i="0" kern="1200" dirty="0" smtClean="0">
+                <a:solidFill>
+                  <a:schemeClr val="tx1"/>
+                </a:solidFill>
+                <a:latin typeface="+mn-lt"/>
+                <a:ea typeface="+mn-ea"/>
+                <a:cs typeface="+mn-cs"/>
+              </a:rPr>
+              <a:t>时，校正作用趋于消失。</a:t>
+            </a:r>
+            <a:r>
+              <a:rPr lang="zh-CN" altLang="en-US" dirty="0" smtClean="0"/>
+              <a:t/>
+            </a:r>
+            <a:br>
+              <a:rPr lang="zh-CN" altLang="en-US" dirty="0" smtClean="0"/>
+            </a:br>
+            <a:r>
+              <a:rPr lang="zh-CN" altLang="en-US" sz="1200" b="0" i="0" kern="1200" dirty="0" smtClean="0">
+                <a:solidFill>
+                  <a:schemeClr val="tx1"/>
+                </a:solidFill>
+                <a:latin typeface="+mn-lt"/>
+                <a:ea typeface="+mn-ea"/>
+                <a:cs typeface="+mn-cs"/>
+              </a:rPr>
+              <a:t>实际应用中，它们的大小还与研究中实际观测到的自变量取值范围有关，一种可能的情况是，某个实际观测的自变量取值范围很窄，但此时所建模型的</a:t>
+            </a:r>
+            <a:r>
+              <a:rPr lang="en-US" altLang="zh-CN" sz="1200" b="0" i="0" kern="1200" dirty="0" smtClean="0">
+                <a:solidFill>
+                  <a:schemeClr val="tx1"/>
+                </a:solidFill>
+                <a:latin typeface="+mn-lt"/>
+                <a:ea typeface="+mn-ea"/>
+                <a:cs typeface="+mn-cs"/>
+              </a:rPr>
+              <a:t>R2 </a:t>
+            </a:r>
+            <a:r>
+              <a:rPr lang="zh-CN" altLang="en-US" sz="1200" b="0" i="0" kern="1200" dirty="0" smtClean="0">
+                <a:solidFill>
+                  <a:schemeClr val="tx1"/>
+                </a:solidFill>
+                <a:latin typeface="+mn-lt"/>
+                <a:ea typeface="+mn-ea"/>
+                <a:cs typeface="+mn-cs"/>
+              </a:rPr>
+              <a:t>很大，但这并不代表模型在外推应用时的效果肯定会很好。此外，有时虽然校正决定系数</a:t>
+            </a:r>
+            <a:r>
+              <a:rPr lang="en-US" altLang="zh-CN" sz="1200" b="0" i="0" kern="1200" dirty="0" smtClean="0">
+                <a:solidFill>
+                  <a:schemeClr val="tx1"/>
+                </a:solidFill>
+                <a:latin typeface="+mn-lt"/>
+                <a:ea typeface="+mn-ea"/>
+                <a:cs typeface="+mn-cs"/>
+              </a:rPr>
+              <a:t>(</a:t>
+            </a:r>
+            <a:r>
+              <a:rPr lang="zh-CN" altLang="en-US" sz="1200" b="0" i="0" kern="1200" dirty="0" smtClean="0">
+                <a:solidFill>
+                  <a:schemeClr val="tx1"/>
+                </a:solidFill>
+                <a:latin typeface="+mn-lt"/>
+                <a:ea typeface="+mn-ea"/>
+                <a:cs typeface="+mn-cs"/>
+              </a:rPr>
+              <a:t>或决定系数</a:t>
+            </a:r>
+            <a:r>
+              <a:rPr lang="en-US" altLang="zh-CN" sz="1200" b="0" i="0" kern="1200" dirty="0" smtClean="0">
+                <a:solidFill>
+                  <a:schemeClr val="tx1"/>
+                </a:solidFill>
+                <a:latin typeface="+mn-lt"/>
+                <a:ea typeface="+mn-ea"/>
+                <a:cs typeface="+mn-cs"/>
+              </a:rPr>
+              <a:t>)</a:t>
+            </a:r>
+            <a:r>
+              <a:rPr lang="zh-CN" altLang="en-US" sz="1200" b="0" i="0" kern="1200" dirty="0" smtClean="0">
+                <a:solidFill>
+                  <a:schemeClr val="tx1"/>
+                </a:solidFill>
+                <a:latin typeface="+mn-lt"/>
+                <a:ea typeface="+mn-ea"/>
+                <a:cs typeface="+mn-cs"/>
+              </a:rPr>
+              <a:t>很大，但误差均方仍很大，这会导致估计的可信区间很宽，从而失去实际应用价值。</a:t>
+            </a:r>
+            <a:endParaRPr lang="en-US" dirty="0" smtClean="0"/>
           </a:p>
         </p:txBody>
       </p:sp>
@@ -2061,12 +2409,12 @@
             <a:pPr>
               <a:defRPr/>
             </a:pPr>
-            <a:fld id="{127A2CE8-6F31-4A26-B928-FB92007A6B58}" type="slidenum">
+            <a:fld id="{84E4ACE0-3C70-4A9A-8DC5-93358D051984}" type="slidenum">
               <a:rPr lang="en-US" smtClean="0"/>
               <a:pPr>
                 <a:defRPr/>
               </a:pPr>
-              <a:t>15</a:t>
+              <a:t>11</a:t>
             </a:fld>
             <a:endParaRPr lang="en-US"/>
           </a:p>
@@ -2099,7 +2447,7 @@
       </p:grpSpPr>
       <p:sp>
         <p:nvSpPr>
-          <p:cNvPr id="86018" name="幻灯片图像占位符 1"/>
+          <p:cNvPr id="84994" name="幻灯片图像占位符 1"/>
           <p:cNvSpPr>
             <a:spLocks noGrp="1" noRot="1" noChangeAspect="1" noTextEdit="1"/>
           </p:cNvSpPr>
@@ -2121,7 +2469,7 @@
       </p:sp>
       <p:sp>
         <p:nvSpPr>
-          <p:cNvPr id="86019" name="备注占位符 2"/>
+          <p:cNvPr id="84995" name="备注占位符 2"/>
           <p:cNvSpPr>
             <a:spLocks noGrp="1"/>
           </p:cNvSpPr>
@@ -2140,156 +2488,10 @@
           </a:bodyPr>
           <a:lstStyle/>
           <a:p>
-            <a:pPr eaLnBrk="1" hangingPunct="1">
-              <a:spcBef>
-                <a:spcPct val="0"/>
-              </a:spcBef>
-            </a:pPr>
+            <a:pPr eaLnBrk="1" hangingPunct="1"/>
             <a:r>
               <a:rPr lang="zh-CN" altLang="en-US" smtClean="0"/>
-              <a:t>公理一、公理二和公理三定义了议价解集合 </a:t>
-            </a:r>
-            <a:r>
-              <a:rPr lang="en-US" altLang="zh-CN" smtClean="0"/>
-              <a:t>B </a:t>
-            </a:r>
-            <a:r>
-              <a:rPr lang="zh-CN" altLang="en-US" smtClean="0"/>
-              <a:t>。最终的纳什议价解（</a:t>
-            </a:r>
-            <a:r>
-              <a:rPr lang="en-US" altLang="zh-CN" smtClean="0"/>
-              <a:t>Nash</a:t>
-            </a:r>
-          </a:p>
-          <a:p>
-            <a:pPr eaLnBrk="1" hangingPunct="1">
-              <a:spcBef>
-                <a:spcPct val="0"/>
-              </a:spcBef>
-            </a:pPr>
-            <a:r>
-              <a:rPr lang="en-US" altLang="zh-CN" smtClean="0"/>
-              <a:t>Bargaining Solution</a:t>
-            </a:r>
-            <a:r>
-              <a:rPr lang="zh-CN" altLang="en-US" smtClean="0"/>
-              <a:t>，</a:t>
-            </a:r>
-            <a:r>
-              <a:rPr lang="en-US" altLang="zh-CN" smtClean="0"/>
-              <a:t>NBS</a:t>
-            </a:r>
-            <a:r>
-              <a:rPr lang="zh-CN" altLang="en-US" smtClean="0"/>
-              <a:t>）也在议价解集合中。公理三保证了集体理性，对于博弈参</a:t>
-            </a:r>
-          </a:p>
-          <a:p>
-            <a:pPr eaLnBrk="1" hangingPunct="1">
-              <a:spcBef>
-                <a:spcPct val="0"/>
-              </a:spcBef>
-            </a:pPr>
-            <a:r>
-              <a:rPr lang="zh-CN" altLang="en-US" smtClean="0"/>
-              <a:t>与者而言，在议价可能集内不存在好于议价解的效用向量。公理四、公理五和公理六</a:t>
-            </a:r>
-          </a:p>
-          <a:p>
-            <a:pPr eaLnBrk="1" hangingPunct="1">
-              <a:spcBef>
-                <a:spcPct val="0"/>
-              </a:spcBef>
-            </a:pPr>
-            <a:r>
-              <a:rPr lang="zh-CN" altLang="en-US" smtClean="0"/>
-              <a:t>称为公平性公理。公理四描述了如果用户有相同的“分歧点”和效用函数，那么它们</a:t>
-            </a:r>
-          </a:p>
-          <a:p>
-            <a:pPr eaLnBrk="1" hangingPunct="1">
-              <a:spcBef>
-                <a:spcPct val="0"/>
-              </a:spcBef>
-            </a:pPr>
-            <a:r>
-              <a:rPr lang="zh-CN" altLang="en-US" smtClean="0"/>
-              <a:t>的效用一定相同。比如，对称博弈中博弈双方有完全相同的策略可能性及相同的议价</a:t>
-            </a:r>
-          </a:p>
-          <a:p>
-            <a:pPr eaLnBrk="1" hangingPunct="1">
-              <a:spcBef>
-                <a:spcPct val="0"/>
-              </a:spcBef>
-            </a:pPr>
-            <a:r>
-              <a:rPr lang="zh-CN" altLang="en-US" smtClean="0"/>
-              <a:t>能力。公理五表明如果效用变换函数如果是线性的，那么最终议价解是不变的。公理</a:t>
-            </a:r>
-          </a:p>
-          <a:p>
-            <a:pPr eaLnBrk="1" hangingPunct="1">
-              <a:spcBef>
-                <a:spcPct val="0"/>
-              </a:spcBef>
-            </a:pPr>
-            <a:r>
-              <a:rPr lang="zh-CN" altLang="en-US" smtClean="0"/>
-              <a:t>六表明如果在一个集合的最终议价解在一个小的子集内找到，这个子集的解也就是这</a:t>
-            </a:r>
-          </a:p>
-          <a:p>
-            <a:pPr eaLnBrk="1" hangingPunct="1">
-              <a:spcBef>
-                <a:spcPct val="0"/>
-              </a:spcBef>
-            </a:pPr>
-            <a:r>
-              <a:rPr lang="zh-CN" altLang="en-US" smtClean="0"/>
-              <a:t>个集合的解。也就是说，如果逐步从原来的可行集中排除一些无关选择，并不改变最</a:t>
-            </a:r>
-          </a:p>
-          <a:p>
-            <a:pPr eaLnBrk="1" hangingPunct="1">
-              <a:spcBef>
-                <a:spcPct val="0"/>
-              </a:spcBef>
-            </a:pPr>
-            <a:r>
-              <a:rPr lang="zh-CN" altLang="en-US" smtClean="0"/>
-              <a:t>终的议价解。这条公理在议价的过程中可以解释为博弈双方会出现自愿地相互让步。</a:t>
-            </a:r>
-          </a:p>
-          <a:p>
-            <a:pPr eaLnBrk="1" hangingPunct="1">
-              <a:spcBef>
-                <a:spcPct val="0"/>
-              </a:spcBef>
-            </a:pPr>
-            <a:r>
-              <a:rPr lang="zh-CN" altLang="en-US" smtClean="0"/>
-              <a:t>这些公理所描述的本质数学含义其实是：议价解仅仅依赖于 </a:t>
-            </a:r>
-            <a:r>
-              <a:rPr lang="en-US" altLang="zh-CN" smtClean="0"/>
-              <a:t>u </a:t>
-            </a:r>
-            <a:r>
-              <a:rPr lang="zh-CN" altLang="en-US" smtClean="0"/>
-              <a:t>邻域中可行集右上边</a:t>
-            </a:r>
-          </a:p>
-          <a:p>
-            <a:pPr eaLnBrk="1" hangingPunct="1">
-              <a:spcBef>
-                <a:spcPct val="0"/>
-              </a:spcBef>
-            </a:pPr>
-            <a:r>
-              <a:rPr lang="zh-CN" altLang="en-US" smtClean="0"/>
-              <a:t>界的形状。</a:t>
+              <a:t>两个设定，一是有最小带宽要求，二是在线用户的优先级比新用户的优先级高。</a:t>
             </a:r>
             <a:endParaRPr lang="en-US" smtClean="0"/>
           </a:p>
@@ -2297,7 +2499,7 @@
       </p:sp>
       <p:sp>
         <p:nvSpPr>
-          <p:cNvPr id="83972" name="灯片编号占位符 3"/>
+          <p:cNvPr id="4" name="灯片编号占位符 3"/>
           <p:cNvSpPr>
             <a:spLocks noGrp="1"/>
           </p:cNvSpPr>
@@ -2305,44 +2507,22 @@
             <p:ph type="sldNum" sz="quarter" idx="5"/>
           </p:nvPr>
         </p:nvSpPr>
-        <p:spPr bwMode="auto">
-          <a:ln>
-            <a:miter lim="800000"/>
-            <a:headEnd/>
-            <a:tailEnd/>
-          </a:ln>
-        </p:spPr>
-        <p:txBody>
-          <a:bodyPr wrap="square" numCol="1" anchorCtr="0" compatLnSpc="1">
-            <a:prstTxWarp prst="textNoShape">
-              <a:avLst/>
-            </a:prstTxWarp>
-          </a:bodyPr>
-          <a:lstStyle/>
-          <a:p>
-            <a:pPr fontAlgn="base">
-              <a:spcBef>
-                <a:spcPct val="0"/>
-              </a:spcBef>
-              <a:spcAft>
-                <a:spcPct val="0"/>
-              </a:spcAft>
-              <a:defRPr/>
-            </a:pPr>
-            <a:fld id="{6476F530-4541-401D-BD5C-219EE9644442}" type="slidenum">
+        <p:spPr/>
+        <p:txBody>
+          <a:bodyPr/>
+          <a:lstStyle/>
+          <a:p>
+            <a:pPr>
+              <a:defRPr/>
+            </a:pPr>
+            <a:fld id="{127A2CE8-6F31-4A26-B928-FB92007A6B58}" type="slidenum">
               <a:rPr lang="en-US" smtClean="0"/>
-              <a:pPr fontAlgn="base">
-                <a:spcBef>
-                  <a:spcPct val="0"/>
-                </a:spcBef>
-                <a:spcAft>
-                  <a:spcPct val="0"/>
-                </a:spcAft>
+              <a:pPr>
                 <a:defRPr/>
               </a:pPr>
-              <a:t>27</a:t>
+              <a:t>15</a:t>
             </a:fld>
-            <a:endParaRPr lang="en-US" smtClean="0"/>
+            <a:endParaRPr lang="en-US"/>
           </a:p>
         </p:txBody>
       </p:sp>
@@ -2373,7 +2553,7 @@
       </p:grpSpPr>
       <p:sp>
         <p:nvSpPr>
-          <p:cNvPr id="87042" name="幻灯片图像占位符 1"/>
+          <p:cNvPr id="86018" name="幻灯片图像占位符 1"/>
           <p:cNvSpPr>
             <a:spLocks noGrp="1" noRot="1" noChangeAspect="1" noTextEdit="1"/>
           </p:cNvSpPr>
@@ -2395,7 +2575,7 @@
       </p:sp>
       <p:sp>
         <p:nvSpPr>
-          <p:cNvPr id="87043" name="备注占位符 2"/>
+          <p:cNvPr id="86019" name="备注占位符 2"/>
           <p:cNvSpPr>
             <a:spLocks noGrp="1"/>
           </p:cNvSpPr>
@@ -2420,38 +2600,21 @@
               </a:spcBef>
             </a:pPr>
             <a:r>
-              <a:rPr lang="zh-CN" altLang="en-US" dirty="0" smtClean="0"/>
-              <a:t>。对于这些视频业务的最小资源需求 </a:t>
-            </a:r>
-            <a:r>
-              <a:rPr lang="en-US" altLang="zh-CN" dirty="0" err="1" smtClean="0"/>
-              <a:t>Bmin</a:t>
-            </a:r>
-            <a:r>
-              <a:rPr lang="en-US" altLang="zh-CN" dirty="0" smtClean="0"/>
-              <a:t> </a:t>
-            </a:r>
-            <a:r>
-              <a:rPr lang="zh-CN" altLang="en-US" dirty="0" smtClean="0"/>
-              <a:t>，我们设定 </a:t>
-            </a:r>
-            <a:r>
-              <a:rPr lang="en-US" altLang="zh-CN" dirty="0" smtClean="0"/>
-              <a:t>PSNR </a:t>
-            </a:r>
-            <a:r>
-              <a:rPr lang="zh-CN" altLang="en-US" dirty="0" smtClean="0"/>
-              <a:t>约为 </a:t>
-            </a:r>
-            <a:r>
-              <a:rPr lang="en-US" altLang="zh-CN" dirty="0" smtClean="0"/>
-              <a:t>30 </a:t>
-            </a:r>
-            <a:r>
-              <a:rPr lang="zh-CN" altLang="en-US" dirty="0" smtClean="0"/>
-              <a:t>的码率。</a:t>
-            </a:r>
-            <a:endParaRPr lang="en-US" altLang="zh-CN" dirty="0" smtClean="0"/>
+              <a:rPr lang="zh-CN" altLang="en-US" smtClean="0"/>
+              <a:t>公理一、公理二和公理三定义了议价解集合 </a:t>
+            </a:r>
+            <a:r>
+              <a:rPr lang="en-US" altLang="zh-CN" smtClean="0"/>
+              <a:t>B </a:t>
+            </a:r>
+            <a:r>
+              <a:rPr lang="zh-CN" altLang="en-US" smtClean="0"/>
+              <a:t>。最终的纳什议价解（</a:t>
+            </a:r>
+            <a:r>
+              <a:rPr lang="en-US" altLang="zh-CN" smtClean="0"/>
+              <a:t>Nash</a:t>
+            </a:r>
           </a:p>
           <a:p>
             <a:pPr eaLnBrk="1" hangingPunct="1">
@@ -2460,44 +2623,135 @@
               </a:spcBef>
             </a:pPr>
             <a:r>
-              <a:rPr lang="zh-CN" altLang="en-US" dirty="0" smtClean="0"/>
-              <a:t>对于它们的正常资源需求为 </a:t>
-            </a:r>
-            <a:r>
-              <a:rPr lang="en-US" altLang="zh-CN" dirty="0" err="1" smtClean="0"/>
-              <a:t>Beq</a:t>
-            </a:r>
-            <a:r>
-              <a:rPr lang="en-US" altLang="zh-CN" dirty="0" smtClean="0"/>
-              <a:t> </a:t>
-            </a:r>
-            <a:r>
-              <a:rPr lang="zh-CN" altLang="en-US" dirty="0" smtClean="0"/>
-              <a:t>我们假设为 </a:t>
-            </a:r>
-            <a:r>
-              <a:rPr lang="en-US" altLang="zh-CN" dirty="0" smtClean="0"/>
-              <a:t>PSNR </a:t>
-            </a:r>
-            <a:r>
-              <a:rPr lang="zh-CN" altLang="en-US" dirty="0" smtClean="0"/>
-              <a:t>约为 </a:t>
-            </a:r>
-            <a:r>
-              <a:rPr lang="en-US" altLang="zh-CN" dirty="0" smtClean="0"/>
-              <a:t>40 </a:t>
-            </a:r>
-            <a:r>
-              <a:rPr lang="zh-CN" altLang="en-US" dirty="0" smtClean="0"/>
-              <a:t>的码率。</a:t>
-            </a:r>
-            <a:endParaRPr lang="en-US" dirty="0" smtClean="0"/>
-          </a:p>
-        </p:txBody>
-      </p:sp>
-      <p:sp>
-        <p:nvSpPr>
-          <p:cNvPr id="84996" name="灯片编号占位符 3"/>
+              <a:rPr lang="en-US" altLang="zh-CN" smtClean="0"/>
+              <a:t>Bargaining Solution</a:t>
+            </a:r>
+            <a:r>
+              <a:rPr lang="zh-CN" altLang="en-US" smtClean="0"/>
+              <a:t>，</a:t>
+            </a:r>
+            <a:r>
+              <a:rPr lang="en-US" altLang="zh-CN" smtClean="0"/>
+              <a:t>NBS</a:t>
+            </a:r>
+            <a:r>
+              <a:rPr lang="zh-CN" altLang="en-US" smtClean="0"/>
+              <a:t>）也在议价解集合中。公理三保证了集体理性，对于博弈参</a:t>
+            </a:r>
+          </a:p>
+          <a:p>
+            <a:pPr eaLnBrk="1" hangingPunct="1">
+              <a:spcBef>
+                <a:spcPct val="0"/>
+              </a:spcBef>
+            </a:pPr>
+            <a:r>
+              <a:rPr lang="zh-CN" altLang="en-US" smtClean="0"/>
+              <a:t>与者而言，在议价可能集内不存在好于议价解的效用向量。公理四、公理五和公理六</a:t>
+            </a:r>
+          </a:p>
+          <a:p>
+            <a:pPr eaLnBrk="1" hangingPunct="1">
+              <a:spcBef>
+                <a:spcPct val="0"/>
+              </a:spcBef>
+            </a:pPr>
+            <a:r>
+              <a:rPr lang="zh-CN" altLang="en-US" smtClean="0"/>
+              <a:t>称为公平性公理。公理四描述了如果用户有相同的“分歧点”和效用函数，那么它们</a:t>
+            </a:r>
+          </a:p>
+          <a:p>
+            <a:pPr eaLnBrk="1" hangingPunct="1">
+              <a:spcBef>
+                <a:spcPct val="0"/>
+              </a:spcBef>
+            </a:pPr>
+            <a:r>
+              <a:rPr lang="zh-CN" altLang="en-US" smtClean="0"/>
+              <a:t>的效用一定相同。比如，对称博弈中博弈双方有完全相同的策略可能性及相同的议价</a:t>
+            </a:r>
+          </a:p>
+          <a:p>
+            <a:pPr eaLnBrk="1" hangingPunct="1">
+              <a:spcBef>
+                <a:spcPct val="0"/>
+              </a:spcBef>
+            </a:pPr>
+            <a:r>
+              <a:rPr lang="zh-CN" altLang="en-US" smtClean="0"/>
+              <a:t>能力。公理五表明如果效用变换函数如果是线性的，那么最终议价解是不变的。公理</a:t>
+            </a:r>
+          </a:p>
+          <a:p>
+            <a:pPr eaLnBrk="1" hangingPunct="1">
+              <a:spcBef>
+                <a:spcPct val="0"/>
+              </a:spcBef>
+            </a:pPr>
+            <a:r>
+              <a:rPr lang="zh-CN" altLang="en-US" smtClean="0"/>
+              <a:t>六表明如果在一个集合的最终议价解在一个小的子集内找到，这个子集的解也就是这</a:t>
+            </a:r>
+          </a:p>
+          <a:p>
+            <a:pPr eaLnBrk="1" hangingPunct="1">
+              <a:spcBef>
+                <a:spcPct val="0"/>
+              </a:spcBef>
+            </a:pPr>
+            <a:r>
+              <a:rPr lang="zh-CN" altLang="en-US" smtClean="0"/>
+              <a:t>个集合的解。也就是说，如果逐步从原来的可行集中排除一些无关选择，并不改变最</a:t>
+            </a:r>
+          </a:p>
+          <a:p>
+            <a:pPr eaLnBrk="1" hangingPunct="1">
+              <a:spcBef>
+                <a:spcPct val="0"/>
+              </a:spcBef>
+            </a:pPr>
+            <a:r>
+              <a:rPr lang="zh-CN" altLang="en-US" smtClean="0"/>
+              <a:t>终的议价解。这条公理在议价的过程中可以解释为博弈双方会出现自愿地相互让步。</a:t>
+            </a:r>
+          </a:p>
+          <a:p>
+            <a:pPr eaLnBrk="1" hangingPunct="1">
+              <a:spcBef>
+                <a:spcPct val="0"/>
+              </a:spcBef>
+            </a:pPr>
+            <a:r>
+              <a:rPr lang="zh-CN" altLang="en-US" smtClean="0"/>
+              <a:t>这些公理所描述的本质数学含义其实是：议价解仅仅依赖于 </a:t>
+            </a:r>
+            <a:r>
+              <a:rPr lang="en-US" altLang="zh-CN" smtClean="0"/>
+              <a:t>u </a:t>
+            </a:r>
+            <a:r>
+              <a:rPr lang="zh-CN" altLang="en-US" smtClean="0"/>
+              <a:t>邻域中可行集右上边</a:t>
+            </a:r>
+          </a:p>
+          <a:p>
+            <a:pPr eaLnBrk="1" hangingPunct="1">
+              <a:spcBef>
+                <a:spcPct val="0"/>
+              </a:spcBef>
+            </a:pPr>
+            <a:r>
+              <a:rPr lang="zh-CN" altLang="en-US" smtClean="0"/>
+              <a:t>界的形状。</a:t>
+            </a:r>
+            <a:endParaRPr lang="en-US" smtClean="0"/>
+          </a:p>
+        </p:txBody>
+      </p:sp>
+      <p:sp>
+        <p:nvSpPr>
+          <p:cNvPr id="83972" name="灯片编号占位符 3"/>
           <p:cNvSpPr>
             <a:spLocks noGrp="1"/>
           </p:cNvSpPr>
@@ -2529,7 +2783,7 @@
               </a:spcAft>
               <a:defRPr/>
             </a:pPr>
-            <a:fld id="{0A246B6A-F33B-4E8A-8D43-80C5E40689A4}" type="slidenum">
+            <a:fld id="{6476F530-4541-401D-BD5C-219EE9644442}" type="slidenum">
               <a:rPr lang="en-US" smtClean="0"/>
               <a:pPr fontAlgn="base">
                 <a:spcBef>
@@ -2540,7 +2794,7 @@
                 </a:spcAft>
                 <a:defRPr/>
               </a:pPr>
-              <a:t>32</a:t>
+              <a:t>27</a:t>
             </a:fld>
             <a:endParaRPr lang="en-US" smtClean="0"/>
           </a:p>
@@ -2573,19 +2827,29 @@
       </p:grpSpPr>
       <p:sp>
         <p:nvSpPr>
-          <p:cNvPr id="2" name="幻灯片图像占位符 1"/>
-          <p:cNvSpPr>
-            <a:spLocks noGrp="1" noRot="1" noChangeAspect="1"/>
+          <p:cNvPr id="87042" name="幻灯片图像占位符 1"/>
+          <p:cNvSpPr>
+            <a:spLocks noGrp="1" noRot="1" noChangeAspect="1" noTextEdit="1"/>
           </p:cNvSpPr>
           <p:nvPr>
             <p:ph type="sldImg"/>
           </p:nvPr>
         </p:nvSpPr>
-        <p:spPr/>
-      </p:sp>
-      <p:sp>
-        <p:nvSpPr>
-          <p:cNvPr id="3" name="备注占位符 2"/>
+        <p:spPr bwMode="auto">
+          <a:noFill/>
+          <a:ln>
+            <a:solidFill>
+              <a:srgbClr val="000000"/>
+            </a:solidFill>
+            <a:miter lim="800000"/>
+            <a:headEnd/>
+            <a:tailEnd/>
+          </a:ln>
+        </p:spPr>
+      </p:sp>
+      <p:sp>
+        <p:nvSpPr>
+          <p:cNvPr id="87043" name="备注占位符 2"/>
           <p:cNvSpPr>
             <a:spLocks noGrp="1"/>
           </p:cNvSpPr>
@@ -2593,51 +2857,146 @@
             <p:ph type="body" idx="1"/>
           </p:nvPr>
         </p:nvSpPr>
-        <p:spPr/>
-        <p:txBody>
-          <a:bodyPr>
-            <a:normAutofit/>
+        <p:spPr bwMode="auto">
+          <a:noFill/>
+        </p:spPr>
+        <p:txBody>
+          <a:bodyPr wrap="square" numCol="1" anchor="t" anchorCtr="0" compatLnSpc="1">
+            <a:prstTxWarp prst="textNoShape">
+              <a:avLst/>
+            </a:prstTxWarp>
           </a:bodyPr>
           <a:lstStyle/>
           <a:p>
+            <a:pPr eaLnBrk="1" hangingPunct="1">
+              <a:spcBef>
+                <a:spcPct val="0"/>
+              </a:spcBef>
+            </a:pPr>
+            <a:r>
+              <a:rPr lang="zh-CN" altLang="en-US" dirty="0" smtClean="0"/>
+              <a:t>。对于这些视频业务的最小资源需求 </a:t>
+            </a:r>
+            <a:r>
+              <a:rPr lang="en-US" altLang="zh-CN" dirty="0" err="1" smtClean="0"/>
+              <a:t>Bmin</a:t>
+            </a:r>
             <a:r>
               <a:rPr lang="en-US" altLang="zh-CN" dirty="0" smtClean="0"/>
-              <a:t>Mobile</a:t>
-            </a:r>
-            <a:r>
-              <a:rPr lang="zh-CN" altLang="en-US" dirty="0" smtClean="0"/>
-              <a:t>是个日例一个小火车。</a:t>
-            </a:r>
-            <a:endParaRPr lang="en-US" dirty="0"/>
-          </a:p>
-        </p:txBody>
-      </p:sp>
-      <p:sp>
-        <p:nvSpPr>
-          <p:cNvPr id="4" name="灯片编号占位符 3"/>
-          <p:cNvSpPr>
-            <a:spLocks noGrp="1"/>
-          </p:cNvSpPr>
-          <p:nvPr>
-            <p:ph type="sldNum" sz="quarter" idx="10"/>
-          </p:nvPr>
-        </p:nvSpPr>
-        <p:spPr/>
-        <p:txBody>
-          <a:bodyPr/>
-          <a:lstStyle/>
-          <a:p>
-            <a:pPr>
-              <a:defRPr/>
-            </a:pPr>
-            <a:fld id="{07EDB94E-F146-40EF-9864-C3339CEB3D88}" type="slidenum">
+              <a:t> </a:t>
+            </a:r>
+            <a:r>
+              <a:rPr lang="zh-CN" altLang="en-US" dirty="0" smtClean="0"/>
+              <a:t>，我们设定 </a:t>
+            </a:r>
+            <a:r>
+              <a:rPr lang="en-US" altLang="zh-CN" dirty="0" smtClean="0"/>
+              <a:t>PSNR </a:t>
+            </a:r>
+            <a:r>
+              <a:rPr lang="zh-CN" altLang="en-US" dirty="0" smtClean="0"/>
+              <a:t>约为 </a:t>
+            </a:r>
+            <a:r>
+              <a:rPr lang="en-US" altLang="zh-CN" dirty="0" smtClean="0"/>
+              <a:t>30 </a:t>
+            </a:r>
+            <a:r>
+              <a:rPr lang="zh-CN" altLang="en-US" dirty="0" smtClean="0"/>
+              <a:t>的码率。</a:t>
+            </a:r>
+            <a:endParaRPr lang="en-US" altLang="zh-CN" dirty="0" smtClean="0"/>
+          </a:p>
+          <a:p>
+            <a:pPr eaLnBrk="1" hangingPunct="1">
+              <a:spcBef>
+                <a:spcPct val="0"/>
+              </a:spcBef>
+            </a:pPr>
+            <a:r>
+              <a:rPr lang="zh-CN" altLang="en-US" dirty="0" smtClean="0"/>
+              <a:t>对于它们的正常资源需求为 </a:t>
+            </a:r>
+            <a:r>
+              <a:rPr lang="en-US" altLang="zh-CN" dirty="0" err="1" smtClean="0"/>
+              <a:t>Beq</a:t>
+            </a:r>
+            <a:r>
+              <a:rPr lang="en-US" altLang="zh-CN" dirty="0" smtClean="0"/>
+              <a:t> </a:t>
+            </a:r>
+            <a:r>
+              <a:rPr lang="zh-CN" altLang="en-US" dirty="0" smtClean="0"/>
+              <a:t>我们假设为 </a:t>
+            </a:r>
+            <a:r>
+              <a:rPr lang="en-US" altLang="zh-CN" dirty="0" smtClean="0"/>
+              <a:t>PSNR </a:t>
+            </a:r>
+            <a:r>
+              <a:rPr lang="zh-CN" altLang="en-US" dirty="0" smtClean="0"/>
+              <a:t>约为 </a:t>
+            </a:r>
+            <a:r>
+              <a:rPr lang="en-US" altLang="zh-CN" dirty="0" smtClean="0"/>
+              <a:t>40 </a:t>
+            </a:r>
+            <a:r>
+              <a:rPr lang="zh-CN" altLang="en-US" dirty="0" smtClean="0"/>
+              <a:t>的码率。</a:t>
+            </a:r>
+            <a:endParaRPr lang="en-US" dirty="0" smtClean="0"/>
+          </a:p>
+        </p:txBody>
+      </p:sp>
+      <p:sp>
+        <p:nvSpPr>
+          <p:cNvPr id="84996" name="灯片编号占位符 3"/>
+          <p:cNvSpPr>
+            <a:spLocks noGrp="1"/>
+          </p:cNvSpPr>
+          <p:nvPr>
+            <p:ph type="sldNum" sz="quarter" idx="5"/>
+          </p:nvPr>
+        </p:nvSpPr>
+        <p:spPr bwMode="auto">
+          <a:ln>
+            <a:miter lim="800000"/>
+            <a:headEnd/>
+            <a:tailEnd/>
+          </a:ln>
+        </p:spPr>
+        <p:txBody>
+          <a:bodyPr wrap="square" numCol="1" anchorCtr="0" compatLnSpc="1">
+            <a:prstTxWarp prst="textNoShape">
+              <a:avLst/>
+            </a:prstTxWarp>
+          </a:bodyPr>
+          <a:lstStyle/>
+          <a:p>
+            <a:pPr fontAlgn="base">
+              <a:spcBef>
+                <a:spcPct val="0"/>
+              </a:spcBef>
+              <a:spcAft>
+                <a:spcPct val="0"/>
+              </a:spcAft>
+              <a:defRPr/>
+            </a:pPr>
+            <a:fld id="{0A246B6A-F33B-4E8A-8D43-80C5E40689A4}" type="slidenum">
               <a:rPr lang="en-US" smtClean="0"/>
-              <a:pPr>
+              <a:pPr fontAlgn="base">
+                <a:spcBef>
+                  <a:spcPct val="0"/>
+                </a:spcBef>
+                <a:spcAft>
+                  <a:spcPct val="0"/>
+                </a:spcAft>
                 <a:defRPr/>
               </a:pPr>
-              <a:t>33</a:t>
+              <a:t>32</a:t>
             </a:fld>
-            <a:endParaRPr lang="en-US"/>
+            <a:endParaRPr lang="en-US" smtClean="0"/>
           </a:p>
         </p:txBody>
       </p:sp>
@@ -2696,15 +3055,12 @@
           <a:lstStyle/>
           <a:p>
             <a:r>
-              <a:rPr lang="zh-CN" altLang="en-US" sz="1200" kern="1200" dirty="0" smtClean="0">
-                <a:solidFill>
-                  <a:schemeClr val="tx1"/>
-                </a:solidFill>
-                <a:latin typeface="+mn-lt"/>
-                <a:ea typeface="+mn-ea"/>
-                <a:cs typeface="+mn-cs"/>
-              </a:rPr>
-              <a:t>至少有一个参与者不能确定另一参与者的收益函数</a:t>
+              <a:rPr lang="en-US" altLang="zh-CN" dirty="0" smtClean="0"/>
+              <a:t>Mobile</a:t>
+            </a:r>
+            <a:r>
+              <a:rPr lang="zh-CN" altLang="en-US" dirty="0" smtClean="0"/>
+              <a:t>是个日例一个小火车。</a:t>
             </a:r>
             <a:endParaRPr lang="en-US" dirty="0"/>
           </a:p>
@@ -2733,7 +3089,7 @@
               <a:pPr>
                 <a:defRPr/>
               </a:pPr>
-              <a:t>36</a:t>
+              <a:t>33</a:t>
             </a:fld>
             <a:endParaRPr lang="en-US"/>
           </a:p>
@@ -2793,6 +3149,17 @@
           </a:bodyPr>
           <a:lstStyle/>
           <a:p>
+            <a:r>
+              <a:rPr lang="zh-CN" altLang="en-US" sz="1200" kern="1200" dirty="0" smtClean="0">
+                <a:solidFill>
+                  <a:schemeClr val="tx1"/>
+                </a:solidFill>
+                <a:latin typeface="+mn-lt"/>
+                <a:ea typeface="+mn-ea"/>
+                <a:cs typeface="+mn-cs"/>
+              </a:rPr>
+              <a:t>至少有一个参与者不能确定另一参与者的收益函数</a:t>
+            </a:r>
             <a:endParaRPr lang="en-US" dirty="0"/>
           </a:p>
         </p:txBody>
@@ -2820,7 +3187,7 @@
               <a:pPr>
                 <a:defRPr/>
               </a:pPr>
-              <a:t>37</a:t>
+              <a:t>36</a:t>
             </a:fld>
             <a:endParaRPr lang="en-US"/>
           </a:p>
@@ -2880,231 +3247,7 @@
           </a:bodyPr>
           <a:lstStyle/>
           <a:p>
-            <a:r>
-              <a:rPr lang="zh-CN" altLang="en-US" sz="1200" b="0" i="0" u="sng" kern="1200" dirty="0" smtClean="0">
-                <a:solidFill>
-                  <a:schemeClr val="tx1"/>
-                </a:solidFill>
-                <a:latin typeface="+mn-lt"/>
-                <a:ea typeface="+mn-ea"/>
-                <a:cs typeface="+mn-cs"/>
-                <a:hlinkClick r:id="rId3"/>
-              </a:rPr>
-              <a:t>贝叶斯定理</a:t>
-            </a:r>
-            <a:r>
-              <a:rPr lang="zh-CN" altLang="en-US" sz="1200" b="0" i="0" kern="1200" dirty="0" smtClean="0">
-                <a:solidFill>
-                  <a:schemeClr val="tx1"/>
-                </a:solidFill>
-                <a:latin typeface="+mn-lt"/>
-                <a:ea typeface="+mn-ea"/>
-                <a:cs typeface="+mn-cs"/>
-              </a:rPr>
-              <a:t>由</a:t>
-            </a:r>
-            <a:r>
-              <a:rPr lang="zh-CN" altLang="en-US" sz="1200" b="0" i="0" u="sng" kern="1200" dirty="0" smtClean="0">
-                <a:solidFill>
-                  <a:schemeClr val="tx1"/>
-                </a:solidFill>
-                <a:latin typeface="+mn-lt"/>
-                <a:ea typeface="+mn-ea"/>
-                <a:cs typeface="+mn-cs"/>
-                <a:hlinkClick r:id="rId4"/>
-              </a:rPr>
-              <a:t>英国</a:t>
-            </a:r>
-            <a:r>
-              <a:rPr lang="zh-CN" altLang="en-US" sz="1200" b="0" i="0" kern="1200" dirty="0" smtClean="0">
-                <a:solidFill>
-                  <a:schemeClr val="tx1"/>
-                </a:solidFill>
-                <a:latin typeface="+mn-lt"/>
-                <a:ea typeface="+mn-ea"/>
-                <a:cs typeface="+mn-cs"/>
-              </a:rPr>
-              <a:t>数学家贝叶斯 </a:t>
-            </a:r>
-            <a:r>
-              <a:rPr lang="en-US" altLang="zh-CN" sz="1200" b="0" i="0" kern="1200" dirty="0" smtClean="0">
-                <a:solidFill>
-                  <a:schemeClr val="tx1"/>
-                </a:solidFill>
-                <a:latin typeface="+mn-lt"/>
-                <a:ea typeface="+mn-ea"/>
-                <a:cs typeface="+mn-cs"/>
-              </a:rPr>
-              <a:t>( Thomas </a:t>
-            </a:r>
-            <a:r>
-              <a:rPr lang="en-US" altLang="zh-CN" sz="1200" b="0" i="0" kern="1200" dirty="0" err="1" smtClean="0">
-                <a:solidFill>
-                  <a:schemeClr val="tx1"/>
-                </a:solidFill>
-                <a:latin typeface="+mn-lt"/>
-                <a:ea typeface="+mn-ea"/>
-                <a:cs typeface="+mn-cs"/>
-              </a:rPr>
-              <a:t>Bayes</a:t>
-            </a:r>
-            <a:r>
-              <a:rPr lang="en-US" altLang="zh-CN" sz="1200" b="0" i="0" kern="1200" dirty="0" smtClean="0">
-                <a:solidFill>
-                  <a:schemeClr val="tx1"/>
-                </a:solidFill>
-                <a:latin typeface="+mn-lt"/>
-                <a:ea typeface="+mn-ea"/>
-                <a:cs typeface="+mn-cs"/>
-              </a:rPr>
-              <a:t> 1702-1763 ) </a:t>
-            </a:r>
-            <a:r>
-              <a:rPr lang="zh-CN" altLang="en-US" sz="1200" b="0" i="0" kern="1200" dirty="0" smtClean="0">
-                <a:solidFill>
-                  <a:schemeClr val="tx1"/>
-                </a:solidFill>
-                <a:latin typeface="+mn-lt"/>
-                <a:ea typeface="+mn-ea"/>
-                <a:cs typeface="+mn-cs"/>
-              </a:rPr>
-              <a:t>发展，用来描述两个条件</a:t>
-            </a:r>
-            <a:r>
-              <a:rPr lang="zh-CN" altLang="en-US" sz="1200" b="0" i="0" u="sng" kern="1200" dirty="0" smtClean="0">
-                <a:solidFill>
-                  <a:schemeClr val="tx1"/>
-                </a:solidFill>
-                <a:latin typeface="+mn-lt"/>
-                <a:ea typeface="+mn-ea"/>
-                <a:cs typeface="+mn-cs"/>
-                <a:hlinkClick r:id="rId5"/>
-              </a:rPr>
-              <a:t>概率</a:t>
-            </a:r>
-            <a:r>
-              <a:rPr lang="zh-CN" altLang="en-US" sz="1200" b="0" i="0" kern="1200" dirty="0" smtClean="0">
-                <a:solidFill>
-                  <a:schemeClr val="tx1"/>
-                </a:solidFill>
-                <a:latin typeface="+mn-lt"/>
-                <a:ea typeface="+mn-ea"/>
-                <a:cs typeface="+mn-cs"/>
-              </a:rPr>
-              <a:t>之间的关系，比如 </a:t>
-            </a:r>
-            <a:r>
-              <a:rPr lang="en-US" altLang="zh-CN" sz="1200" b="0" i="0" kern="1200" dirty="0" smtClean="0">
-                <a:solidFill>
-                  <a:schemeClr val="tx1"/>
-                </a:solidFill>
-                <a:latin typeface="+mn-lt"/>
-                <a:ea typeface="+mn-ea"/>
-                <a:cs typeface="+mn-cs"/>
-              </a:rPr>
-              <a:t>P(A|B) </a:t>
-            </a:r>
-            <a:r>
-              <a:rPr lang="zh-CN" altLang="en-US" sz="1200" b="0" i="0" kern="1200" dirty="0" smtClean="0">
-                <a:solidFill>
-                  <a:schemeClr val="tx1"/>
-                </a:solidFill>
-                <a:latin typeface="+mn-lt"/>
-                <a:ea typeface="+mn-ea"/>
-                <a:cs typeface="+mn-cs"/>
-              </a:rPr>
-              <a:t>和 </a:t>
-            </a:r>
-            <a:r>
-              <a:rPr lang="en-US" altLang="zh-CN" sz="1200" b="0" i="0" kern="1200" dirty="0" smtClean="0">
-                <a:solidFill>
-                  <a:schemeClr val="tx1"/>
-                </a:solidFill>
-                <a:latin typeface="+mn-lt"/>
-                <a:ea typeface="+mn-ea"/>
-                <a:cs typeface="+mn-cs"/>
-              </a:rPr>
-              <a:t>P(B|A)</a:t>
-            </a:r>
-            <a:r>
-              <a:rPr lang="zh-CN" altLang="en-US" sz="1200" b="0" i="0" kern="1200" dirty="0" smtClean="0">
-                <a:solidFill>
-                  <a:schemeClr val="tx1"/>
-                </a:solidFill>
-                <a:latin typeface="+mn-lt"/>
-                <a:ea typeface="+mn-ea"/>
-                <a:cs typeface="+mn-cs"/>
-              </a:rPr>
-              <a:t>。按照乘法法则：</a:t>
-            </a:r>
-            <a:r>
-              <a:rPr lang="en-US" altLang="zh-CN" sz="1200" b="1" i="0" kern="1200" dirty="0" smtClean="0">
-                <a:solidFill>
-                  <a:schemeClr val="tx1"/>
-                </a:solidFill>
-                <a:latin typeface="+mn-lt"/>
-                <a:ea typeface="+mn-ea"/>
-                <a:cs typeface="+mn-cs"/>
-              </a:rPr>
-              <a:t>P(A∩B)=P(A)*P(B|A)=P(B)*P(A|B)</a:t>
-            </a:r>
-            <a:r>
-              <a:rPr lang="zh-CN" altLang="en-US" sz="1200" b="0" i="0" kern="1200" dirty="0" smtClean="0">
-                <a:solidFill>
-                  <a:schemeClr val="tx1"/>
-                </a:solidFill>
-                <a:latin typeface="+mn-lt"/>
-                <a:ea typeface="+mn-ea"/>
-                <a:cs typeface="+mn-cs"/>
-              </a:rPr>
-              <a:t>，可以立刻导出</a:t>
-            </a:r>
-          </a:p>
-          <a:p>
-            <a:r>
-              <a:rPr lang="zh-CN" altLang="en-US" sz="1200" b="1" i="0" kern="1200" dirty="0" smtClean="0">
-                <a:solidFill>
-                  <a:schemeClr val="tx1"/>
-                </a:solidFill>
-                <a:latin typeface="+mn-lt"/>
-                <a:ea typeface="+mn-ea"/>
-                <a:cs typeface="+mn-cs"/>
-              </a:rPr>
-              <a:t>贝叶斯定理公式</a:t>
-            </a:r>
-            <a:r>
-              <a:rPr lang="zh-CN" altLang="en-US" sz="1200" b="0" i="0" kern="1200" dirty="0" smtClean="0">
-                <a:solidFill>
-                  <a:schemeClr val="tx1"/>
-                </a:solidFill>
-                <a:latin typeface="+mn-lt"/>
-                <a:ea typeface="+mn-ea"/>
-                <a:cs typeface="+mn-cs"/>
-              </a:rPr>
-              <a:t>：</a:t>
-            </a:r>
-            <a:r>
-              <a:rPr lang="en-US" altLang="zh-CN" sz="1200" b="1" i="0" kern="1200" dirty="0" smtClean="0">
-                <a:solidFill>
-                  <a:schemeClr val="tx1"/>
-                </a:solidFill>
-                <a:latin typeface="+mn-lt"/>
-                <a:ea typeface="+mn-ea"/>
-                <a:cs typeface="+mn-cs"/>
-              </a:rPr>
-              <a:t>P(A|B)=P(B|A)*P(A)/P(B)</a:t>
-            </a:r>
-            <a:endParaRPr lang="zh-CN" altLang="en-US" sz="1200" b="0" i="0" kern="1200" smtClean="0">
-              <a:solidFill>
-                <a:schemeClr val="tx1"/>
-              </a:solidFill>
-              <a:latin typeface="+mn-lt"/>
-              <a:ea typeface="+mn-ea"/>
-              <a:cs typeface="+mn-cs"/>
-            </a:endParaRPr>
-          </a:p>
-          <a:p>
-            <a:endParaRPr lang="en-US"/>
+            <a:endParaRPr lang="en-US" dirty="0"/>
           </a:p>
         </p:txBody>
       </p:sp>
@@ -3131,7 +3274,7 @@
               <a:pPr>
                 <a:defRPr/>
               </a:pPr>
-              <a:t>39</a:t>
+              <a:t>37</a:t>
             </a:fld>
             <a:endParaRPr lang="en-US"/>
           </a:p>
@@ -3809,7 +3952,7 @@
               <a:pPr>
                 <a:defRPr/>
               </a:pPr>
-              <a:t>4/23/2013</a:t>
+              <a:t>4/26/2013</a:t>
             </a:fld>
             <a:endParaRPr lang="en-US"/>
           </a:p>
@@ -4022,7 +4165,7 @@
               <a:pPr>
                 <a:defRPr/>
               </a:pPr>
-              <a:t>4/23/2013</a:t>
+              <a:t>4/26/2013</a:t>
             </a:fld>
             <a:endParaRPr lang="en-US"/>
           </a:p>
@@ -4228,7 +4371,7 @@
               <a:pPr>
                 <a:defRPr/>
               </a:pPr>
-              <a:t>4/23/2013</a:t>
+              <a:t>4/26/2013</a:t>
             </a:fld>
             <a:endParaRPr lang="en-US"/>
           </a:p>
@@ -4424,7 +4567,7 @@
               <a:pPr>
                 <a:defRPr/>
               </a:pPr>
-              <a:t>4/23/2013</a:t>
+              <a:t>4/26/2013</a:t>
             </a:fld>
             <a:endParaRPr lang="en-US"/>
           </a:p>
@@ -4843,7 +4986,7 @@
               <a:pPr>
                 <a:defRPr/>
               </a:pPr>
-              <a:t>4/23/2013</a:t>
+              <a:t>4/26/2013</a:t>
             </a:fld>
             <a:endParaRPr lang="en-US"/>
           </a:p>
@@ -5141,7 +5284,7 @@
               <a:pPr>
                 <a:defRPr/>
               </a:pPr>
-              <a:t>4/23/2013</a:t>
+              <a:t>4/26/2013</a:t>
             </a:fld>
             <a:endParaRPr lang="en-US"/>
           </a:p>
@@ -5586,7 +5729,7 @@
               <a:pPr>
                 <a:defRPr/>
               </a:pPr>
-              <a:t>4/23/2013</a:t>
+              <a:t>4/26/2013</a:t>
             </a:fld>
             <a:endParaRPr lang="en-US"/>
           </a:p>
@@ -5736,7 +5879,7 @@
               <a:pPr>
                 <a:defRPr/>
               </a:pPr>
-              <a:t>4/23/2013</a:t>
+              <a:t>4/26/2013</a:t>
             </a:fld>
             <a:endParaRPr lang="en-US"/>
           </a:p>
@@ -5855,7 +5998,7 @@
               <a:pPr>
                 <a:defRPr/>
               </a:pPr>
-              <a:t>4/23/2013</a:t>
+              <a:t>4/26/2013</a:t>
             </a:fld>
             <a:endParaRPr lang="en-US"/>
           </a:p>
@@ -6146,7 +6289,7 @@
               <a:pPr>
                 <a:defRPr/>
               </a:pPr>
-              <a:t>4/23/2013</a:t>
+              <a:t>4/26/2013</a:t>
             </a:fld>
             <a:endParaRPr lang="en-US"/>
           </a:p>
@@ -6961,7 +7104,7 @@
               <a:pPr>
                 <a:defRPr/>
               </a:pPr>
-              <a:t>4/23/2013</a:t>
+              <a:t>4/26/2013</a:t>
             </a:fld>
             <a:endParaRPr lang="en-US"/>
           </a:p>
@@ -7589,7 +7732,7 @@
               <a:pPr>
                 <a:defRPr/>
               </a:pPr>
-              <a:t>4/23/2013</a:t>
+              <a:t>4/26/2013</a:t>
             </a:fld>
             <a:endParaRPr lang="en-US"/>
           </a:p>
@@ -13400,7 +13543,7 @@
           <p:nvPr/>
         </p:nvPicPr>
         <p:blipFill>
-          <a:blip r:embed="rId2" cstate="print"/>
+          <a:blip r:embed="rId3" cstate="print"/>
           <a:srcRect/>
           <a:stretch>
             <a:fillRect/>
@@ -13432,7 +13575,7 @@
           <p:nvPr/>
         </p:nvPicPr>
         <p:blipFill>
-          <a:blip r:embed="rId3" cstate="print"/>
+          <a:blip r:embed="rId4" cstate="print"/>
           <a:srcRect/>
           <a:stretch>
             <a:fillRect/>
@@ -13464,7 +13607,7 @@
           <p:nvPr/>
         </p:nvPicPr>
         <p:blipFill>
-          <a:blip r:embed="rId4" cstate="print"/>
+          <a:blip r:embed="rId5" cstate="print"/>
           <a:srcRect/>
           <a:stretch>
             <a:fillRect/>
@@ -13496,7 +13639,7 @@
           <p:nvPr/>
         </p:nvPicPr>
         <p:blipFill>
-          <a:blip r:embed="rId5" cstate="print"/>
+          <a:blip r:embed="rId6" cstate="print"/>
           <a:srcRect/>
           <a:stretch>
             <a:fillRect/>
@@ -13528,7 +13671,7 @@
           <p:nvPr/>
         </p:nvPicPr>
         <p:blipFill>
-          <a:blip r:embed="rId6" cstate="print"/>
+          <a:blip r:embed="rId7" cstate="print"/>
           <a:srcRect/>
           <a:stretch>
             <a:fillRect/>
@@ -13560,7 +13703,7 @@
           <p:nvPr/>
         </p:nvPicPr>
         <p:blipFill>
-          <a:blip r:embed="rId7" cstate="print"/>
+          <a:blip r:embed="rId8" cstate="print"/>
           <a:srcRect/>
           <a:stretch>
             <a:fillRect/>
@@ -13622,7 +13765,7 @@
           <p:nvPr/>
         </p:nvPicPr>
         <p:blipFill>
-          <a:blip r:embed="rId8" cstate="print"/>
+          <a:blip r:embed="rId9" cstate="print"/>
           <a:srcRect/>
           <a:stretch>
             <a:fillRect/>
@@ -14573,8 +14716,8 @@
         </p:nvSpPr>
         <p:spPr>
           <a:xfrm>
-            <a:off x="7162800" y="1600200"/>
-            <a:ext cx="609600" cy="4267200"/>
+            <a:off x="7010400" y="1905000"/>
+            <a:ext cx="990600" cy="4114800"/>
           </a:xfrm>
           <a:prstGeom prst="roundRect">
             <a:avLst/>
@@ -18456,6 +18599,13 @@
   <p:clrMapOvr>
     <a:masterClrMapping/>
   </p:clrMapOvr>
+  <p:timing>
+    <p:tnLst>
+      <p:par>
+        <p:cTn id="1" dur="indefinite" restart="never" nodeType="tmRoot"/>
+      </p:par>
+    </p:tnLst>
+  </p:timing>
 </p:sld>
 </file>
 
@@ -20177,38 +20327,38 @@
           <a:p>
             <a:pPr eaLnBrk="1" hangingPunct="1"/>
             <a:r>
-              <a:rPr lang="zh-CN" altLang="en-US" smtClean="0"/>
+              <a:rPr lang="zh-CN" altLang="en-US" dirty="0" smtClean="0"/>
               <a:t>业务模型的分类定义与选择问题。</a:t>
             </a:r>
-            <a:endParaRPr lang="en-US" altLang="zh-CN" smtClean="0"/>
+            <a:endParaRPr lang="en-US" altLang="zh-CN" dirty="0" smtClean="0"/>
           </a:p>
           <a:p>
             <a:pPr eaLnBrk="1" hangingPunct="1"/>
             <a:r>
-              <a:rPr lang="zh-CN" altLang="en-US" smtClean="0"/>
+              <a:rPr lang="zh-CN" altLang="en-US" dirty="0" smtClean="0"/>
               <a:t>非完备信息下的合作博弈在资源分配中的应用。</a:t>
             </a:r>
-            <a:endParaRPr lang="en-US" altLang="zh-CN" smtClean="0"/>
+            <a:endParaRPr lang="en-US" altLang="zh-CN" dirty="0" smtClean="0"/>
           </a:p>
           <a:p>
             <a:pPr eaLnBrk="1" hangingPunct="1"/>
             <a:r>
-              <a:rPr lang="zh-CN" altLang="en-US" smtClean="0"/>
+              <a:rPr lang="zh-CN" altLang="en-US" dirty="0" smtClean="0"/>
               <a:t>无线资源管理在 </a:t>
             </a:r>
             <a:r>
-              <a:rPr lang="en-US" altLang="zh-CN" smtClean="0"/>
+              <a:rPr lang="en-US" altLang="zh-CN" dirty="0" smtClean="0"/>
               <a:t>IP </a:t>
             </a:r>
             <a:r>
-              <a:rPr lang="zh-CN" altLang="en-US" smtClean="0"/>
+              <a:rPr lang="zh-CN" altLang="en-US" dirty="0" smtClean="0"/>
               <a:t>架构下的交叉层技术及协议规划问题。</a:t>
             </a:r>
-            <a:endParaRPr lang="en-US" altLang="zh-CN" smtClean="0"/>
+            <a:endParaRPr lang="en-US" altLang="zh-CN" dirty="0" smtClean="0"/>
           </a:p>
           <a:p>
             <a:pPr eaLnBrk="1" hangingPunct="1"/>
-            <a:endParaRPr lang="en-US" smtClean="0"/>
+            <a:endParaRPr lang="en-US" dirty="0" smtClean="0"/>
           </a:p>
         </p:txBody>
       </p:sp>
@@ -20753,7 +20903,54 @@
           <a:p>
             <a:r>
               <a:rPr lang="zh-CN" altLang="en-US" dirty="0" smtClean="0"/>
-              <a:t>资源管理与控制策略中，往往会考虑跨层设计。请说明本文所提出的资源管理与控制算法如何通过跨层设计与其它协议层一起进行联合优化设计？</a:t>
+              <a:t>在资源管理策略</a:t>
+            </a:r>
+            <a:r>
+              <a:rPr lang="zh-CN" altLang="en-US" dirty="0" smtClean="0"/>
+              <a:t>中，往往会考虑跨层设计。请说明本文所提出的资源管理与</a:t>
+            </a:r>
+            <a:r>
+              <a:rPr lang="zh-CN" altLang="en-US" dirty="0" smtClean="0"/>
+              <a:t>控制方法如何</a:t>
+            </a:r>
+            <a:r>
+              <a:rPr lang="zh-CN" altLang="en-US" dirty="0" smtClean="0"/>
+              <a:t>通过跨层设计与其它协议层一起进行联合优化设计</a:t>
+            </a:r>
+            <a:r>
+              <a:rPr lang="zh-CN" altLang="en-US" dirty="0" smtClean="0"/>
+              <a:t>？</a:t>
+            </a:r>
+            <a:endParaRPr lang="en-US" altLang="zh-CN" dirty="0" smtClean="0"/>
+          </a:p>
+          <a:p>
+            <a:r>
+              <a:rPr lang="zh-CN" altLang="en-US" dirty="0" smtClean="0"/>
+              <a:t>答：</a:t>
+            </a:r>
+            <a:endParaRPr lang="en-US" altLang="zh-CN" dirty="0" smtClean="0"/>
+          </a:p>
+          <a:p>
+            <a:pPr lvl="1"/>
+            <a:r>
+              <a:rPr lang="zh-CN" altLang="en-US" dirty="0" smtClean="0"/>
+              <a:t>从网络其它协议层，提取相对应的参数，构造一个可解的优化问题。</a:t>
+            </a:r>
+            <a:endParaRPr lang="en-US" altLang="zh-CN" dirty="0" smtClean="0"/>
+          </a:p>
+          <a:p>
+            <a:pPr lvl="1"/>
+            <a:r>
+              <a:rPr lang="zh-CN" altLang="en-US" dirty="0" smtClean="0"/>
+              <a:t>跨层设计的优势（利用更多的信息）</a:t>
+            </a:r>
+            <a:endParaRPr lang="en-US" altLang="zh-CN" dirty="0" smtClean="0"/>
+          </a:p>
+          <a:p>
+            <a:pPr lvl="1"/>
+            <a:r>
+              <a:rPr lang="zh-CN" altLang="en-US" dirty="0" smtClean="0"/>
+              <a:t>网络分层的优势（将复杂问题，分割成几个简单问题）</a:t>
             </a:r>
             <a:endParaRPr lang="en-US" dirty="0"/>
           </a:p>
@@ -20860,7 +21057,50 @@
           <a:p>
             <a:r>
               <a:rPr lang="zh-CN" altLang="en-US" dirty="0" smtClean="0"/>
-              <a:t>越区切换技术除了需要考虑信令传输的可靠性外，还需要考虑目标小区的信息资源是否能够承载切换的业务。试说明，如何在本文提出的速度自适应的切换策略中将目标小区的信道资源分配因素考虑进去？</a:t>
+              <a:t>越区切换技术</a:t>
+            </a:r>
+            <a:r>
+              <a:rPr lang="zh-CN" altLang="en-US" dirty="0" smtClean="0"/>
+              <a:t>除考虑</a:t>
+            </a:r>
+            <a:r>
+              <a:rPr lang="zh-CN" altLang="en-US" dirty="0" smtClean="0"/>
+              <a:t>信令传输的可靠性外，还需要考虑目标小区的信息资源是否能够承载切换的业务。试说明，如何在本文提出的速度自适应的切换策略中将目标小区的信道资源分配因素考虑进去</a:t>
+            </a:r>
+            <a:r>
+              <a:rPr lang="zh-CN" altLang="en-US" dirty="0" smtClean="0"/>
+              <a:t>？</a:t>
+            </a:r>
+            <a:endParaRPr lang="en-US" altLang="zh-CN" dirty="0" smtClean="0"/>
+          </a:p>
+          <a:p>
+            <a:r>
+              <a:rPr lang="zh-CN" altLang="en-US" dirty="0" smtClean="0"/>
+              <a:t>答：</a:t>
+            </a:r>
+            <a:endParaRPr lang="en-US" altLang="zh-CN" dirty="0" smtClean="0"/>
+          </a:p>
+          <a:p>
+            <a:pPr lvl="1"/>
+            <a:r>
+              <a:rPr lang="zh-CN" altLang="en-US" dirty="0" smtClean="0"/>
+              <a:t>切换技术对于系统来说，也是一种接纳控制的实例。</a:t>
+            </a:r>
+            <a:endParaRPr lang="en-US" altLang="zh-CN" dirty="0" smtClean="0"/>
+          </a:p>
+          <a:p>
+            <a:pPr lvl="1"/>
+            <a:r>
+              <a:rPr lang="zh-CN" altLang="en-US" dirty="0" smtClean="0"/>
+              <a:t>切换用户，通常优先级比新用户高。</a:t>
+            </a:r>
+            <a:endParaRPr lang="en-US" altLang="zh-CN" dirty="0" smtClean="0"/>
+          </a:p>
+          <a:p>
+            <a:pPr lvl="1"/>
+            <a:r>
+              <a:rPr lang="zh-CN" altLang="en-US" dirty="0" smtClean="0"/>
+              <a:t>通信资源分配，也可参照本论文中接纳控制算法来实现。</a:t>
             </a:r>
             <a:endParaRPr lang="en-US" dirty="0"/>
           </a:p>
@@ -20991,7 +21231,82 @@
             </a:r>
             <a:r>
               <a:rPr lang="zh-CN" altLang="en-US" dirty="0" smtClean="0"/>
-              <a:t>点假设在现实世界中存在的合理性。</a:t>
+              <a:t>点假设在现实世界中存在的合理性</a:t>
+            </a:r>
+            <a:r>
+              <a:rPr lang="zh-CN" altLang="en-US" dirty="0" smtClean="0"/>
+              <a:t>。</a:t>
+            </a:r>
+            <a:endParaRPr lang="en-US" altLang="zh-CN" dirty="0" smtClean="0"/>
+          </a:p>
+          <a:p>
+            <a:r>
+              <a:rPr lang="zh-CN" altLang="en-US" dirty="0" smtClean="0"/>
+              <a:t>答：</a:t>
+            </a:r>
+            <a:endParaRPr lang="en-US" altLang="zh-CN" dirty="0" smtClean="0"/>
+          </a:p>
+          <a:p>
+            <a:pPr lvl="1"/>
+            <a:r>
+              <a:rPr lang="zh-CN" altLang="en-US" dirty="0" smtClean="0"/>
+              <a:t>假设</a:t>
+            </a:r>
+            <a:r>
+              <a:rPr lang="en-US" altLang="zh-CN" dirty="0" smtClean="0"/>
+              <a:t>1</a:t>
+            </a:r>
+            <a:r>
+              <a:rPr lang="zh-CN" altLang="en-US" dirty="0" smtClean="0"/>
+              <a:t>：“业务类型”可以与“成本”相对应。</a:t>
+            </a:r>
+            <a:endParaRPr lang="en-US" altLang="zh-CN" dirty="0" smtClean="0"/>
+          </a:p>
+          <a:p>
+            <a:pPr lvl="1"/>
+            <a:r>
+              <a:rPr lang="zh-CN" altLang="en-US" dirty="0" smtClean="0"/>
+              <a:t>假设</a:t>
+            </a:r>
+            <a:r>
+              <a:rPr lang="en-US" altLang="zh-CN" dirty="0" smtClean="0"/>
+              <a:t>2</a:t>
+            </a:r>
+            <a:r>
+              <a:rPr lang="zh-CN" altLang="en-US" dirty="0" smtClean="0"/>
+              <a:t>：“成本”是一个随机变量，每个参与者都是独立同分布的。</a:t>
+            </a:r>
+            <a:endParaRPr lang="en-US" altLang="zh-CN" dirty="0" smtClean="0"/>
+          </a:p>
+          <a:p>
+            <a:pPr lvl="1"/>
+            <a:r>
+              <a:rPr lang="zh-CN" altLang="en-US" dirty="0" smtClean="0"/>
+              <a:t>假设</a:t>
+            </a:r>
+            <a:r>
+              <a:rPr lang="en-US" altLang="zh-CN" dirty="0" smtClean="0"/>
+              <a:t>3</a:t>
+            </a:r>
+            <a:r>
+              <a:rPr lang="zh-CN" altLang="en-US" dirty="0" smtClean="0"/>
+              <a:t>：“自身成本”是私有知识。</a:t>
+            </a:r>
+            <a:endParaRPr lang="en-US" altLang="zh-CN" dirty="0" smtClean="0"/>
+          </a:p>
+          <a:p>
+            <a:pPr lvl="1"/>
+            <a:r>
+              <a:rPr lang="zh-CN" altLang="en-US" dirty="0" smtClean="0"/>
+              <a:t>假设</a:t>
+            </a:r>
+            <a:r>
+              <a:rPr lang="en-US" altLang="zh-CN" dirty="0" smtClean="0"/>
+              <a:t>4</a:t>
+            </a:r>
+            <a:r>
+              <a:rPr lang="zh-CN" altLang="en-US" dirty="0" smtClean="0"/>
+              <a:t>：“收益函数”是公共知识。</a:t>
             </a:r>
             <a:endParaRPr lang="en-US" dirty="0"/>
           </a:p>
@@ -21126,7 +21441,54 @@
             </a:r>
             <a:r>
               <a:rPr lang="zh-CN" altLang="en-US" dirty="0" smtClean="0"/>
-              <a:t>，请讨论这样的参数选择值的合理性。</a:t>
+              <a:t>，请讨论这样的参数选择值的合理性</a:t>
+            </a:r>
+            <a:r>
+              <a:rPr lang="zh-CN" altLang="en-US" dirty="0" smtClean="0"/>
+              <a:t>。</a:t>
+            </a:r>
+            <a:endParaRPr lang="en-US" altLang="zh-CN" dirty="0" smtClean="0"/>
+          </a:p>
+          <a:p>
+            <a:r>
+              <a:rPr lang="zh-CN" altLang="en-US" dirty="0" smtClean="0"/>
+              <a:t>答：</a:t>
+            </a:r>
+            <a:endParaRPr lang="en-US" altLang="zh-CN" dirty="0" smtClean="0"/>
+          </a:p>
+          <a:p>
+            <a:pPr lvl="1"/>
+            <a:r>
+              <a:rPr lang="zh-CN" altLang="en-US" dirty="0" smtClean="0"/>
+              <a:t>基于大部分用户的业务对于资源需求量是类似的，而少部分用户的资源需求量比较极端（过多或是过少）。</a:t>
+            </a:r>
+            <a:endParaRPr lang="en-US" altLang="zh-CN" dirty="0" smtClean="0"/>
+          </a:p>
+          <a:p>
+            <a:pPr lvl="1"/>
+            <a:r>
+              <a:rPr lang="zh-CN" altLang="en-US" dirty="0" smtClean="0"/>
+              <a:t>随机变量的取值控制在</a:t>
+            </a:r>
+            <a:r>
+              <a:rPr lang="en-US" altLang="zh-CN" dirty="0" smtClean="0"/>
+              <a:t> </a:t>
+            </a:r>
+            <a:r>
+              <a:rPr lang="en-US" altLang="zh-CN" dirty="0" smtClean="0"/>
+              <a:t>[0, 1] </a:t>
+            </a:r>
+            <a:r>
+              <a:rPr lang="zh-CN" altLang="en-US" dirty="0" smtClean="0"/>
+              <a:t>之间。</a:t>
+            </a:r>
+            <a:endParaRPr lang="en-US" altLang="zh-CN" dirty="0" smtClean="0"/>
+          </a:p>
+          <a:p>
+            <a:pPr lvl="1"/>
+            <a:r>
+              <a:rPr lang="zh-CN" altLang="en-US" dirty="0" smtClean="0"/>
+              <a:t>在实际使用文中方法时，需要统计一段时间后，做参数估计。</a:t>
             </a:r>
             <a:endParaRPr lang="en-US" dirty="0"/>
           </a:p>
@@ -21257,7 +21619,34 @@
             </a:r>
             <a:r>
               <a:rPr lang="zh-CN" altLang="en-US" dirty="0" smtClean="0"/>
-              <a:t>次的中值表示性能时，是否所有不同？</a:t>
+              <a:t>次的中值表示性能时，是否所有不同</a:t>
+            </a:r>
+            <a:r>
+              <a:rPr lang="zh-CN" altLang="en-US" dirty="0" smtClean="0"/>
+              <a:t>？</a:t>
+            </a:r>
+            <a:endParaRPr lang="en-US" altLang="zh-CN" dirty="0" smtClean="0"/>
+          </a:p>
+          <a:p>
+            <a:r>
+              <a:rPr lang="zh-CN" altLang="en-US" dirty="0" smtClean="0"/>
+              <a:t>答：</a:t>
+            </a:r>
+            <a:endParaRPr lang="en-US" altLang="zh-CN" dirty="0" smtClean="0"/>
+          </a:p>
+          <a:p>
+            <a:pPr lvl="1"/>
+            <a:r>
+              <a:rPr lang="zh-CN" altLang="en-US" dirty="0" smtClean="0"/>
+              <a:t>仿真过程中，采用以时间为种子的伪随机数</a:t>
+            </a:r>
+            <a:endParaRPr lang="en-US" altLang="zh-CN" dirty="0" smtClean="0"/>
+          </a:p>
+          <a:p>
+            <a:pPr lvl="1"/>
+            <a:r>
+              <a:rPr lang="zh-CN" altLang="en-US" dirty="0" smtClean="0"/>
+              <a:t>中值和平均值，如果采用重复多次后平均值，应该相同。</a:t>
             </a:r>
             <a:endParaRPr lang="en-US" dirty="0"/>
           </a:p>
@@ -21372,7 +21761,34 @@
             </a:r>
             <a:r>
               <a:rPr lang="zh-CN" altLang="en-US" dirty="0" smtClean="0"/>
-              <a:t>节所述的方案中，仅以带宽资源作为接入控制的依据是不充分的。例如，信道衰落严重时，带宽大还有作用吗？</a:t>
+              <a:t>节所述的方案中，仅以带宽资源作为接入控制的依据是不充分的。例如，信道衰落严重时，带宽大还有作用吗</a:t>
+            </a:r>
+            <a:r>
+              <a:rPr lang="zh-CN" altLang="en-US" dirty="0" smtClean="0"/>
+              <a:t>？</a:t>
+            </a:r>
+            <a:endParaRPr lang="en-US" altLang="zh-CN" dirty="0" smtClean="0"/>
+          </a:p>
+          <a:p>
+            <a:r>
+              <a:rPr lang="zh-CN" altLang="en-US" dirty="0" smtClean="0"/>
+              <a:t>答：</a:t>
+            </a:r>
+            <a:endParaRPr lang="en-US" altLang="zh-CN" dirty="0" smtClean="0"/>
+          </a:p>
+          <a:p>
+            <a:pPr lvl="1"/>
+            <a:r>
+              <a:rPr lang="zh-CN" altLang="en-US" dirty="0" smtClean="0"/>
+              <a:t>如果实际系统中，如出现信道严重衰落，即使分配的带宽大也不能承载实际业务的需求。</a:t>
+            </a:r>
+            <a:endParaRPr lang="en-US" altLang="zh-CN" dirty="0" smtClean="0"/>
+          </a:p>
+          <a:p>
+            <a:pPr lvl="1"/>
+            <a:r>
+              <a:rPr lang="zh-CN" altLang="en-US" dirty="0" smtClean="0"/>
+              <a:t>在论文中，我们假设总的带宽是指物理层实际能够提供的可供传输数据的带宽。在实际的系统中，这个值是会随信道质量或编码方法而波动。</a:t>
             </a:r>
             <a:endParaRPr lang="en-US" dirty="0"/>
           </a:p>
@@ -21487,7 +21903,46 @@
             </a:r>
             <a:r>
               <a:rPr lang="zh-CN" altLang="en-US" dirty="0" smtClean="0"/>
-              <a:t>章中，利用提高传输可靠性来提高信息的准确性属于传输问题。你的解决方案的创造性是什么？</a:t>
+              <a:t>章中，利用提高传输可靠性来提高信息的准确性属于传输问题。你的解决方案的创造性是什么</a:t>
+            </a:r>
+            <a:r>
+              <a:rPr lang="zh-CN" altLang="en-US" dirty="0" smtClean="0"/>
+              <a:t>？</a:t>
+            </a:r>
+            <a:endParaRPr lang="en-US" altLang="zh-CN" dirty="0" smtClean="0"/>
+          </a:p>
+          <a:p>
+            <a:r>
+              <a:rPr lang="zh-CN" altLang="en-US" dirty="0" smtClean="0"/>
+              <a:t>答：</a:t>
+            </a:r>
+            <a:endParaRPr lang="en-US" altLang="zh-CN" dirty="0" smtClean="0"/>
+          </a:p>
+          <a:p>
+            <a:pPr lvl="1"/>
+            <a:r>
+              <a:rPr lang="zh-CN" altLang="en-US" dirty="0" smtClean="0"/>
+              <a:t>文中所提出的</a:t>
+            </a:r>
+            <a:r>
+              <a:rPr lang="en-US" altLang="zh-CN" dirty="0" smtClean="0"/>
+              <a:t>FEC</a:t>
+            </a:r>
+            <a:r>
+              <a:rPr lang="zh-CN" altLang="en-US" dirty="0" smtClean="0"/>
+              <a:t>方法，是一个通用的方法。</a:t>
+            </a:r>
+            <a:endParaRPr lang="en-US" altLang="zh-CN" dirty="0" smtClean="0"/>
+          </a:p>
+          <a:p>
+            <a:pPr lvl="1"/>
+            <a:r>
+              <a:rPr lang="zh-CN" altLang="en-US" dirty="0" smtClean="0"/>
+              <a:t>文中</a:t>
+            </a:r>
+            <a:r>
+              <a:rPr lang="zh-CN" altLang="en-US" dirty="0" smtClean="0"/>
+              <a:t>关注的是，终端移动速度对切换的影响的理论分析模型的建立。因为，关于这方面的研究及文献极少。</a:t>
             </a:r>
             <a:endParaRPr lang="en-US" dirty="0"/>
           </a:p>
@@ -21610,9 +22065,44 @@
             </a:r>
             <a:r>
               <a:rPr lang="zh-CN" altLang="en-US" dirty="0" smtClean="0"/>
-              <a:t>以上的移动速度？</a:t>
-            </a:r>
-            <a:endParaRPr lang="en-US" dirty="0"/>
+              <a:t>以上的移动速度</a:t>
+            </a:r>
+            <a:r>
+              <a:rPr lang="zh-CN" altLang="en-US" dirty="0" smtClean="0"/>
+              <a:t>？</a:t>
+            </a:r>
+            <a:endParaRPr lang="en-US" altLang="zh-CN" dirty="0" smtClean="0"/>
+          </a:p>
+          <a:p>
+            <a:r>
+              <a:rPr lang="zh-CN" altLang="en-US" dirty="0" smtClean="0"/>
+              <a:t>答：</a:t>
+            </a:r>
+            <a:endParaRPr lang="en-US" altLang="zh-CN" dirty="0" smtClean="0"/>
+          </a:p>
+          <a:p>
+            <a:pPr lvl="1"/>
+            <a:r>
+              <a:rPr lang="zh-CN" altLang="en-US" dirty="0" smtClean="0"/>
+              <a:t>此图不意味此系统不能支持</a:t>
+            </a:r>
+            <a:r>
+              <a:rPr lang="en-US" altLang="zh-CN" dirty="0" smtClean="0"/>
+              <a:t>50Km/h</a:t>
+            </a:r>
+            <a:r>
+              <a:rPr lang="zh-CN" altLang="en-US" dirty="0" smtClean="0"/>
+              <a:t>的移动速度。</a:t>
+            </a:r>
+            <a:endParaRPr lang="en-US" altLang="zh-CN" dirty="0" smtClean="0"/>
+          </a:p>
+          <a:p>
+            <a:pPr lvl="1"/>
+            <a:r>
+              <a:rPr lang="zh-CN" altLang="en-US" dirty="0" smtClean="0"/>
+              <a:t>此图表示的是，理论计算后，切换成功率与移动速度的关系。此图表明的是，移动速度增加会使切换成功率降低。</a:t>
+            </a:r>
+            <a:endParaRPr lang="en-US" altLang="zh-CN" dirty="0" smtClean="0"/>
           </a:p>
         </p:txBody>
       </p:sp>
